--- a/Deliverables/F) PowerPoint Presentation/Project Assignment.pptx
+++ b/Deliverables/F) PowerPoint Presentation/Project Assignment.pptx
@@ -7,15 +7,18 @@
   <p:sldIdLst>
     <p:sldId id="256" r:id="rId2"/>
     <p:sldId id="265" r:id="rId3"/>
-    <p:sldId id="257" r:id="rId4"/>
-    <p:sldId id="258" r:id="rId5"/>
-    <p:sldId id="259" r:id="rId6"/>
-    <p:sldId id="260" r:id="rId7"/>
-    <p:sldId id="261" r:id="rId8"/>
-    <p:sldId id="263" r:id="rId9"/>
-    <p:sldId id="262" r:id="rId10"/>
-    <p:sldId id="266" r:id="rId11"/>
-    <p:sldId id="264" r:id="rId12"/>
+    <p:sldId id="267" r:id="rId4"/>
+    <p:sldId id="257" r:id="rId5"/>
+    <p:sldId id="268" r:id="rId6"/>
+    <p:sldId id="269" r:id="rId7"/>
+    <p:sldId id="258" r:id="rId8"/>
+    <p:sldId id="259" r:id="rId9"/>
+    <p:sldId id="260" r:id="rId10"/>
+    <p:sldId id="261" r:id="rId11"/>
+    <p:sldId id="263" r:id="rId12"/>
+    <p:sldId id="262" r:id="rId13"/>
+    <p:sldId id="266" r:id="rId14"/>
+    <p:sldId id="264" r:id="rId15"/>
   </p:sldIdLst>
   <p:sldSz cx="12192000" cy="6858000"/>
   <p:notesSz cx="6858000" cy="9144000"/>
@@ -3888,6 +3891,1351 @@
           <p:cNvPr id="5" name="Θέση περιεχομένου 4">
             <a:extLst>
               <a:ext uri="{FF2B5EF4-FFF2-40B4-BE49-F238E27FC236}">
+                <a16:creationId xmlns:a16="http://schemas.microsoft.com/office/drawing/2014/main" id="{22C7D905-7A9F-64F8-6F01-91D209853765}"/>
+              </a:ext>
+            </a:extLst>
+          </p:cNvPr>
+          <p:cNvPicPr>
+            <a:picLocks noGrp="1" noChangeAspect="1"/>
+          </p:cNvPicPr>
+          <p:nvPr>
+            <p:ph idx="1"/>
+          </p:nvPr>
+        </p:nvPicPr>
+        <p:blipFill>
+          <a:blip r:embed="rId2">
+            <a:extLst>
+              <a:ext uri="{28A0092B-C50C-407E-A947-70E740481C1C}">
+                <a14:useLocalDpi xmlns:a14="http://schemas.microsoft.com/office/drawing/2010/main" val="0"/>
+              </a:ext>
+            </a:extLst>
+          </a:blip>
+          <a:stretch>
+            <a:fillRect/>
+          </a:stretch>
+        </p:blipFill>
+        <p:spPr>
+          <a:xfrm>
+            <a:off x="0" y="1"/>
+            <a:ext cx="12192000" cy="1690688"/>
+          </a:xfrm>
+        </p:spPr>
+      </p:pic>
+      <p:sp>
+        <p:nvSpPr>
+          <p:cNvPr id="2" name="Τίτλος 1">
+            <a:extLst>
+              <a:ext uri="{FF2B5EF4-FFF2-40B4-BE49-F238E27FC236}">
+                <a16:creationId xmlns:a16="http://schemas.microsoft.com/office/drawing/2014/main" id="{2D44853D-6D00-8CB4-731C-0CCD33142D3F}"/>
+              </a:ext>
+            </a:extLst>
+          </p:cNvPr>
+          <p:cNvSpPr>
+            <a:spLocks noGrp="1"/>
+          </p:cNvSpPr>
+          <p:nvPr>
+            <p:ph type="title"/>
+          </p:nvPr>
+        </p:nvSpPr>
+        <p:spPr/>
+        <p:txBody>
+          <a:bodyPr/>
+          <a:lstStyle/>
+          <a:p>
+            <a:r>
+              <a:rPr lang="en-US" b="1" dirty="0">
+                <a:solidFill>
+                  <a:schemeClr val="bg1"/>
+                </a:solidFill>
+                <a:effectLst>
+                  <a:outerShdw blurRad="38100" dist="38100" dir="2700000" algn="tl">
+                    <a:srgbClr val="000000">
+                      <a:alpha val="43137"/>
+                    </a:srgbClr>
+                  </a:outerShdw>
+                </a:effectLst>
+                <a:latin typeface="Segoe UI" panose="020B0502040204020203" pitchFamily="34" charset="0"/>
+                <a:cs typeface="Segoe UI" panose="020B0502040204020203" pitchFamily="34" charset="0"/>
+              </a:rPr>
+              <a:t>Power BI Genre Long Term Performance Dashboard</a:t>
+            </a:r>
+            <a:endParaRPr lang="el-GR" b="1" dirty="0">
+              <a:solidFill>
+                <a:schemeClr val="bg1"/>
+              </a:solidFill>
+              <a:effectLst>
+                <a:outerShdw blurRad="38100" dist="38100" dir="2700000" algn="tl">
+                  <a:srgbClr val="000000">
+                    <a:alpha val="43137"/>
+                  </a:srgbClr>
+                </a:outerShdw>
+              </a:effectLst>
+              <a:latin typeface="Segoe UI" panose="020B0502040204020203" pitchFamily="34" charset="0"/>
+              <a:cs typeface="Segoe UI" panose="020B0502040204020203" pitchFamily="34" charset="0"/>
+            </a:endParaRPr>
+          </a:p>
+        </p:txBody>
+      </p:sp>
+      <p:sp>
+        <p:nvSpPr>
+          <p:cNvPr id="8" name="TextBox 7">
+            <a:extLst>
+              <a:ext uri="{FF2B5EF4-FFF2-40B4-BE49-F238E27FC236}">
+                <a16:creationId xmlns:a16="http://schemas.microsoft.com/office/drawing/2014/main" id="{3ADB23B1-31BF-3BCC-B7F5-A228616C1E2E}"/>
+              </a:ext>
+            </a:extLst>
+          </p:cNvPr>
+          <p:cNvSpPr txBox="1"/>
+          <p:nvPr/>
+        </p:nvSpPr>
+        <p:spPr>
+          <a:xfrm>
+            <a:off x="312006" y="2450799"/>
+            <a:ext cx="2179674" cy="923330"/>
+          </a:xfrm>
+          <a:prstGeom prst="rect">
+            <a:avLst/>
+          </a:prstGeom>
+          <a:noFill/>
+        </p:spPr>
+        <p:txBody>
+          <a:bodyPr wrap="square" rtlCol="0">
+            <a:spAutoFit/>
+          </a:bodyPr>
+          <a:lstStyle/>
+          <a:p>
+            <a:r>
+              <a:rPr lang="en-US" b="1" dirty="0"/>
+              <a:t>ANNUAL SALES PERFORMANCE CARDS</a:t>
+            </a:r>
+            <a:endParaRPr lang="el-GR" b="1" dirty="0"/>
+          </a:p>
+        </p:txBody>
+      </p:sp>
+      <p:cxnSp>
+        <p:nvCxnSpPr>
+          <p:cNvPr id="10" name="Ευθύγραμμο βέλος σύνδεσης 9">
+            <a:extLst>
+              <a:ext uri="{FF2B5EF4-FFF2-40B4-BE49-F238E27FC236}">
+                <a16:creationId xmlns:a16="http://schemas.microsoft.com/office/drawing/2014/main" id="{F4CCBDB0-0C75-5E1A-387E-9CF5662E7D29}"/>
+              </a:ext>
+            </a:extLst>
+          </p:cNvPr>
+          <p:cNvCxnSpPr>
+            <a:stCxn id="8" idx="2"/>
+          </p:cNvCxnSpPr>
+          <p:nvPr/>
+        </p:nvCxnSpPr>
+        <p:spPr>
+          <a:xfrm>
+            <a:off x="1401843" y="3374129"/>
+            <a:ext cx="1192501" cy="262206"/>
+          </a:xfrm>
+          <a:prstGeom prst="straightConnector1">
+            <a:avLst/>
+          </a:prstGeom>
+          <a:ln>
+            <a:tailEnd type="triangle"/>
+          </a:ln>
+        </p:spPr>
+        <p:style>
+          <a:lnRef idx="3">
+            <a:schemeClr val="accent6"/>
+          </a:lnRef>
+          <a:fillRef idx="0">
+            <a:schemeClr val="accent6"/>
+          </a:fillRef>
+          <a:effectRef idx="2">
+            <a:schemeClr val="accent6"/>
+          </a:effectRef>
+          <a:fontRef idx="minor">
+            <a:schemeClr val="tx1"/>
+          </a:fontRef>
+        </p:style>
+      </p:cxnSp>
+      <p:cxnSp>
+        <p:nvCxnSpPr>
+          <p:cNvPr id="12" name="Ευθύγραμμο βέλος σύνδεσης 11">
+            <a:extLst>
+              <a:ext uri="{FF2B5EF4-FFF2-40B4-BE49-F238E27FC236}">
+                <a16:creationId xmlns:a16="http://schemas.microsoft.com/office/drawing/2014/main" id="{0A0929B5-A09A-33BB-BB09-D8B205246A02}"/>
+              </a:ext>
+            </a:extLst>
+          </p:cNvPr>
+          <p:cNvCxnSpPr>
+            <a:stCxn id="8" idx="2"/>
+          </p:cNvCxnSpPr>
+          <p:nvPr/>
+        </p:nvCxnSpPr>
+        <p:spPr>
+          <a:xfrm>
+            <a:off x="1401843" y="3374129"/>
+            <a:ext cx="1213766" cy="954168"/>
+          </a:xfrm>
+          <a:prstGeom prst="straightConnector1">
+            <a:avLst/>
+          </a:prstGeom>
+          <a:ln>
+            <a:tailEnd type="triangle"/>
+          </a:ln>
+        </p:spPr>
+        <p:style>
+          <a:lnRef idx="3">
+            <a:schemeClr val="accent6"/>
+          </a:lnRef>
+          <a:fillRef idx="0">
+            <a:schemeClr val="accent6"/>
+          </a:fillRef>
+          <a:effectRef idx="2">
+            <a:schemeClr val="accent6"/>
+          </a:effectRef>
+          <a:fontRef idx="minor">
+            <a:schemeClr val="tx1"/>
+          </a:fontRef>
+        </p:style>
+      </p:cxnSp>
+      <p:cxnSp>
+        <p:nvCxnSpPr>
+          <p:cNvPr id="14" name="Ευθύγραμμο βέλος σύνδεσης 13">
+            <a:extLst>
+              <a:ext uri="{FF2B5EF4-FFF2-40B4-BE49-F238E27FC236}">
+                <a16:creationId xmlns:a16="http://schemas.microsoft.com/office/drawing/2014/main" id="{3D2C8AB6-BFF7-9552-B184-8C11D50A3C74}"/>
+              </a:ext>
+            </a:extLst>
+          </p:cNvPr>
+          <p:cNvCxnSpPr>
+            <a:stCxn id="8" idx="2"/>
+          </p:cNvCxnSpPr>
+          <p:nvPr/>
+        </p:nvCxnSpPr>
+        <p:spPr>
+          <a:xfrm>
+            <a:off x="1401843" y="3374129"/>
+            <a:ext cx="1192501" cy="1846457"/>
+          </a:xfrm>
+          <a:prstGeom prst="straightConnector1">
+            <a:avLst/>
+          </a:prstGeom>
+          <a:ln>
+            <a:tailEnd type="triangle"/>
+          </a:ln>
+        </p:spPr>
+        <p:style>
+          <a:lnRef idx="3">
+            <a:schemeClr val="accent6"/>
+          </a:lnRef>
+          <a:fillRef idx="0">
+            <a:schemeClr val="accent6"/>
+          </a:fillRef>
+          <a:effectRef idx="2">
+            <a:schemeClr val="accent6"/>
+          </a:effectRef>
+          <a:fontRef idx="minor">
+            <a:schemeClr val="tx1"/>
+          </a:fontRef>
+        </p:style>
+      </p:cxnSp>
+      <p:cxnSp>
+        <p:nvCxnSpPr>
+          <p:cNvPr id="16" name="Ευθύγραμμο βέλος σύνδεσης 15">
+            <a:extLst>
+              <a:ext uri="{FF2B5EF4-FFF2-40B4-BE49-F238E27FC236}">
+                <a16:creationId xmlns:a16="http://schemas.microsoft.com/office/drawing/2014/main" id="{F374AF8F-2217-9194-F8E5-1311DC7EB1CD}"/>
+              </a:ext>
+            </a:extLst>
+          </p:cNvPr>
+          <p:cNvCxnSpPr>
+            <a:stCxn id="8" idx="2"/>
+          </p:cNvCxnSpPr>
+          <p:nvPr/>
+        </p:nvCxnSpPr>
+        <p:spPr>
+          <a:xfrm>
+            <a:off x="1401843" y="3374129"/>
+            <a:ext cx="1192501" cy="2601369"/>
+          </a:xfrm>
+          <a:prstGeom prst="straightConnector1">
+            <a:avLst/>
+          </a:prstGeom>
+          <a:ln>
+            <a:tailEnd type="triangle"/>
+          </a:ln>
+        </p:spPr>
+        <p:style>
+          <a:lnRef idx="3">
+            <a:schemeClr val="accent6"/>
+          </a:lnRef>
+          <a:fillRef idx="0">
+            <a:schemeClr val="accent6"/>
+          </a:fillRef>
+          <a:effectRef idx="2">
+            <a:schemeClr val="accent6"/>
+          </a:effectRef>
+          <a:fontRef idx="minor">
+            <a:schemeClr val="tx1"/>
+          </a:fontRef>
+        </p:style>
+      </p:cxnSp>
+      <p:sp>
+        <p:nvSpPr>
+          <p:cNvPr id="19" name="TextBox 18">
+            <a:extLst>
+              <a:ext uri="{FF2B5EF4-FFF2-40B4-BE49-F238E27FC236}">
+                <a16:creationId xmlns:a16="http://schemas.microsoft.com/office/drawing/2014/main" id="{66DA6469-7AAC-6B12-14DC-1338DA69B7A7}"/>
+              </a:ext>
+            </a:extLst>
+          </p:cNvPr>
+          <p:cNvSpPr txBox="1"/>
+          <p:nvPr/>
+        </p:nvSpPr>
+        <p:spPr>
+          <a:xfrm>
+            <a:off x="142628" y="5648143"/>
+            <a:ext cx="2374722" cy="646331"/>
+          </a:xfrm>
+          <a:prstGeom prst="rect">
+            <a:avLst/>
+          </a:prstGeom>
+          <a:noFill/>
+        </p:spPr>
+        <p:txBody>
+          <a:bodyPr wrap="square" rtlCol="0">
+            <a:spAutoFit/>
+          </a:bodyPr>
+          <a:lstStyle/>
+          <a:p>
+            <a:r>
+              <a:rPr lang="en-US" b="1" dirty="0">
+                <a:solidFill>
+                  <a:schemeClr val="accent6">
+                    <a:lumMod val="75000"/>
+                  </a:schemeClr>
+                </a:solidFill>
+              </a:rPr>
+              <a:t>Green</a:t>
+            </a:r>
+            <a:r>
+              <a:rPr lang="en-US" dirty="0"/>
+              <a:t>: Sales Increase</a:t>
+            </a:r>
+          </a:p>
+          <a:p>
+            <a:r>
+              <a:rPr lang="en-US" b="1" dirty="0">
+                <a:solidFill>
+                  <a:schemeClr val="accent2">
+                    <a:lumMod val="50000"/>
+                  </a:schemeClr>
+                </a:solidFill>
+              </a:rPr>
+              <a:t>Red</a:t>
+            </a:r>
+            <a:r>
+              <a:rPr lang="en-US" dirty="0"/>
+              <a:t>: Sales Decrease</a:t>
+            </a:r>
+            <a:endParaRPr lang="el-GR" dirty="0"/>
+          </a:p>
+        </p:txBody>
+      </p:sp>
+      <p:sp>
+        <p:nvSpPr>
+          <p:cNvPr id="20" name="TextBox 19">
+            <a:extLst>
+              <a:ext uri="{FF2B5EF4-FFF2-40B4-BE49-F238E27FC236}">
+                <a16:creationId xmlns:a16="http://schemas.microsoft.com/office/drawing/2014/main" id="{BF79E195-5031-618F-F507-6595FA101AB6}"/>
+              </a:ext>
+            </a:extLst>
+          </p:cNvPr>
+          <p:cNvSpPr txBox="1"/>
+          <p:nvPr/>
+        </p:nvSpPr>
+        <p:spPr>
+          <a:xfrm>
+            <a:off x="9674649" y="3626095"/>
+            <a:ext cx="2360428" cy="369332"/>
+          </a:xfrm>
+          <a:prstGeom prst="rect">
+            <a:avLst/>
+          </a:prstGeom>
+          <a:noFill/>
+        </p:spPr>
+        <p:txBody>
+          <a:bodyPr wrap="square" rtlCol="0">
+            <a:spAutoFit/>
+          </a:bodyPr>
+          <a:lstStyle/>
+          <a:p>
+            <a:r>
+              <a:rPr lang="en-US" dirty="0"/>
+              <a:t>Genre Sales </a:t>
+            </a:r>
+            <a:r>
+              <a:rPr lang="en-US" b="1" dirty="0"/>
+              <a:t>Line Chart</a:t>
+            </a:r>
+            <a:endParaRPr lang="el-GR" b="1" dirty="0"/>
+          </a:p>
+        </p:txBody>
+      </p:sp>
+      <p:cxnSp>
+        <p:nvCxnSpPr>
+          <p:cNvPr id="22" name="Ευθύγραμμο βέλος σύνδεσης 21">
+            <a:extLst>
+              <a:ext uri="{FF2B5EF4-FFF2-40B4-BE49-F238E27FC236}">
+                <a16:creationId xmlns:a16="http://schemas.microsoft.com/office/drawing/2014/main" id="{16504076-4C1E-53B0-43D0-1F9C7CA3F2FA}"/>
+              </a:ext>
+            </a:extLst>
+          </p:cNvPr>
+          <p:cNvCxnSpPr>
+            <a:stCxn id="20" idx="2"/>
+          </p:cNvCxnSpPr>
+          <p:nvPr/>
+        </p:nvCxnSpPr>
+        <p:spPr>
+          <a:xfrm flipH="1">
+            <a:off x="9432681" y="3995427"/>
+            <a:ext cx="1422182" cy="679386"/>
+          </a:xfrm>
+          <a:prstGeom prst="straightConnector1">
+            <a:avLst/>
+          </a:prstGeom>
+          <a:ln>
+            <a:tailEnd type="triangle"/>
+          </a:ln>
+        </p:spPr>
+        <p:style>
+          <a:lnRef idx="3">
+            <a:schemeClr val="accent6"/>
+          </a:lnRef>
+          <a:fillRef idx="0">
+            <a:schemeClr val="accent6"/>
+          </a:fillRef>
+          <a:effectRef idx="2">
+            <a:schemeClr val="accent6"/>
+          </a:effectRef>
+          <a:fontRef idx="minor">
+            <a:schemeClr val="tx1"/>
+          </a:fontRef>
+        </p:style>
+      </p:cxnSp>
+      <p:pic>
+        <p:nvPicPr>
+          <p:cNvPr id="4" name="Εικόνα 3">
+            <a:extLst>
+              <a:ext uri="{FF2B5EF4-FFF2-40B4-BE49-F238E27FC236}">
+                <a16:creationId xmlns:a16="http://schemas.microsoft.com/office/drawing/2014/main" id="{E192F20C-7FFC-2F53-0621-7E3468244B55}"/>
+              </a:ext>
+            </a:extLst>
+          </p:cNvPr>
+          <p:cNvPicPr>
+            <a:picLocks noChangeAspect="1"/>
+          </p:cNvPicPr>
+          <p:nvPr/>
+        </p:nvPicPr>
+        <p:blipFill>
+          <a:blip r:embed="rId3">
+            <a:extLst>
+              <a:ext uri="{28A0092B-C50C-407E-A947-70E740481C1C}">
+                <a14:useLocalDpi xmlns:a14="http://schemas.microsoft.com/office/drawing/2010/main" val="0"/>
+              </a:ext>
+            </a:extLst>
+          </a:blip>
+          <a:stretch>
+            <a:fillRect/>
+          </a:stretch>
+        </p:blipFill>
+        <p:spPr>
+          <a:xfrm>
+            <a:off x="2759318" y="2574847"/>
+            <a:ext cx="6614984" cy="3722153"/>
+          </a:xfrm>
+          <a:prstGeom prst="rect">
+            <a:avLst/>
+          </a:prstGeom>
+        </p:spPr>
+      </p:pic>
+    </p:spTree>
+    <p:extLst>
+      <p:ext uri="{BB962C8B-B14F-4D97-AF65-F5344CB8AC3E}">
+        <p14:creationId xmlns:p14="http://schemas.microsoft.com/office/powerpoint/2010/main" val="3954393152"/>
+      </p:ext>
+    </p:extLst>
+  </p:cSld>
+  <p:clrMapOvr>
+    <a:masterClrMapping/>
+  </p:clrMapOvr>
+</p:sld>
+</file>
+
+<file path=ppt/slides/slide11.xml><?xml version="1.0" encoding="utf-8"?>
+<p:sld xmlns:a="http://schemas.openxmlformats.org/drawingml/2006/main" xmlns:r="http://schemas.openxmlformats.org/officeDocument/2006/relationships" xmlns:p="http://schemas.openxmlformats.org/presentationml/2006/main">
+  <p:cSld>
+    <p:spTree>
+      <p:nvGrpSpPr>
+        <p:cNvPr id="1" name=""/>
+        <p:cNvGrpSpPr/>
+        <p:nvPr/>
+      </p:nvGrpSpPr>
+      <p:grpSpPr>
+        <a:xfrm>
+          <a:off x="0" y="0"/>
+          <a:ext cx="0" cy="0"/>
+          <a:chOff x="0" y="0"/>
+          <a:chExt cx="0" cy="0"/>
+        </a:xfrm>
+      </p:grpSpPr>
+      <p:pic>
+        <p:nvPicPr>
+          <p:cNvPr id="4" name="Εικόνα 3">
+            <a:extLst>
+              <a:ext uri="{FF2B5EF4-FFF2-40B4-BE49-F238E27FC236}">
+                <a16:creationId xmlns:a16="http://schemas.microsoft.com/office/drawing/2014/main" id="{0500C82A-40BB-654C-18A7-F8B2E260DB08}"/>
+              </a:ext>
+            </a:extLst>
+          </p:cNvPr>
+          <p:cNvPicPr>
+            <a:picLocks noChangeAspect="1"/>
+          </p:cNvPicPr>
+          <p:nvPr/>
+        </p:nvPicPr>
+        <p:blipFill>
+          <a:blip r:embed="rId2">
+            <a:extLst>
+              <a:ext uri="{28A0092B-C50C-407E-A947-70E740481C1C}">
+                <a14:useLocalDpi xmlns:a14="http://schemas.microsoft.com/office/drawing/2010/main" val="0"/>
+              </a:ext>
+            </a:extLst>
+          </a:blip>
+          <a:stretch>
+            <a:fillRect/>
+          </a:stretch>
+        </p:blipFill>
+        <p:spPr>
+          <a:xfrm>
+            <a:off x="1" y="2754083"/>
+            <a:ext cx="6135288" cy="3434065"/>
+          </a:xfrm>
+          <a:prstGeom prst="rect">
+            <a:avLst/>
+          </a:prstGeom>
+        </p:spPr>
+      </p:pic>
+      <p:pic>
+        <p:nvPicPr>
+          <p:cNvPr id="5" name="Θέση περιεχομένου 4">
+            <a:extLst>
+              <a:ext uri="{FF2B5EF4-FFF2-40B4-BE49-F238E27FC236}">
+                <a16:creationId xmlns:a16="http://schemas.microsoft.com/office/drawing/2014/main" id="{22C7D905-7A9F-64F8-6F01-91D209853765}"/>
+              </a:ext>
+            </a:extLst>
+          </p:cNvPr>
+          <p:cNvPicPr>
+            <a:picLocks noGrp="1" noChangeAspect="1"/>
+          </p:cNvPicPr>
+          <p:nvPr>
+            <p:ph idx="1"/>
+          </p:nvPr>
+        </p:nvPicPr>
+        <p:blipFill>
+          <a:blip r:embed="rId3">
+            <a:extLst>
+              <a:ext uri="{28A0092B-C50C-407E-A947-70E740481C1C}">
+                <a14:useLocalDpi xmlns:a14="http://schemas.microsoft.com/office/drawing/2010/main" val="0"/>
+              </a:ext>
+            </a:extLst>
+          </a:blip>
+          <a:stretch>
+            <a:fillRect/>
+          </a:stretch>
+        </p:blipFill>
+        <p:spPr>
+          <a:xfrm>
+            <a:off x="0" y="1"/>
+            <a:ext cx="12192000" cy="1690688"/>
+          </a:xfrm>
+        </p:spPr>
+      </p:pic>
+      <p:sp>
+        <p:nvSpPr>
+          <p:cNvPr id="2" name="Τίτλος 1">
+            <a:extLst>
+              <a:ext uri="{FF2B5EF4-FFF2-40B4-BE49-F238E27FC236}">
+                <a16:creationId xmlns:a16="http://schemas.microsoft.com/office/drawing/2014/main" id="{2D44853D-6D00-8CB4-731C-0CCD33142D3F}"/>
+              </a:ext>
+            </a:extLst>
+          </p:cNvPr>
+          <p:cNvSpPr>
+            <a:spLocks noGrp="1"/>
+          </p:cNvSpPr>
+          <p:nvPr>
+            <p:ph type="title"/>
+          </p:nvPr>
+        </p:nvSpPr>
+        <p:spPr/>
+        <p:txBody>
+          <a:bodyPr/>
+          <a:lstStyle/>
+          <a:p>
+            <a:r>
+              <a:rPr lang="en-US" b="1" dirty="0">
+                <a:solidFill>
+                  <a:schemeClr val="bg1"/>
+                </a:solidFill>
+                <a:effectLst>
+                  <a:outerShdw blurRad="38100" dist="38100" dir="2700000" algn="tl">
+                    <a:srgbClr val="000000">
+                      <a:alpha val="43137"/>
+                    </a:srgbClr>
+                  </a:outerShdw>
+                </a:effectLst>
+                <a:latin typeface="Segoe UI" panose="020B0502040204020203" pitchFamily="34" charset="0"/>
+                <a:cs typeface="Segoe UI" panose="020B0502040204020203" pitchFamily="34" charset="0"/>
+              </a:rPr>
+              <a:t>Power BI Genre Long Term Performance Dashboard</a:t>
+            </a:r>
+            <a:endParaRPr lang="el-GR" b="1" dirty="0">
+              <a:solidFill>
+                <a:schemeClr val="bg1"/>
+              </a:solidFill>
+              <a:effectLst>
+                <a:outerShdw blurRad="38100" dist="38100" dir="2700000" algn="tl">
+                  <a:srgbClr val="000000">
+                    <a:alpha val="43137"/>
+                  </a:srgbClr>
+                </a:outerShdw>
+              </a:effectLst>
+              <a:latin typeface="Segoe UI" panose="020B0502040204020203" pitchFamily="34" charset="0"/>
+              <a:cs typeface="Segoe UI" panose="020B0502040204020203" pitchFamily="34" charset="0"/>
+            </a:endParaRPr>
+          </a:p>
+        </p:txBody>
+      </p:sp>
+      <p:sp>
+        <p:nvSpPr>
+          <p:cNvPr id="9" name="Οβάλ 8">
+            <a:extLst>
+              <a:ext uri="{FF2B5EF4-FFF2-40B4-BE49-F238E27FC236}">
+                <a16:creationId xmlns:a16="http://schemas.microsoft.com/office/drawing/2014/main" id="{7346C473-69A8-4BEE-543B-116C08900CDA}"/>
+              </a:ext>
+            </a:extLst>
+          </p:cNvPr>
+          <p:cNvSpPr/>
+          <p:nvPr/>
+        </p:nvSpPr>
+        <p:spPr>
+          <a:xfrm>
+            <a:off x="3664454" y="3632938"/>
+            <a:ext cx="673629" cy="2555211"/>
+          </a:xfrm>
+          <a:prstGeom prst="ellipse">
+            <a:avLst/>
+          </a:prstGeom>
+          <a:noFill/>
+          <a:ln w="28575">
+            <a:solidFill>
+              <a:srgbClr val="FF0000"/>
+            </a:solidFill>
+            <a:prstDash val="dash"/>
+          </a:ln>
+        </p:spPr>
+        <p:style>
+          <a:lnRef idx="2">
+            <a:schemeClr val="accent1">
+              <a:shade val="15000"/>
+            </a:schemeClr>
+          </a:lnRef>
+          <a:fillRef idx="1">
+            <a:schemeClr val="accent1"/>
+          </a:fillRef>
+          <a:effectRef idx="0">
+            <a:schemeClr val="accent1"/>
+          </a:effectRef>
+          <a:fontRef idx="minor">
+            <a:schemeClr val="lt1"/>
+          </a:fontRef>
+        </p:style>
+        <p:txBody>
+          <a:bodyPr rtlCol="0" anchor="ctr"/>
+          <a:lstStyle/>
+          <a:p>
+            <a:pPr algn="ctr"/>
+            <a:endParaRPr lang="el-GR"/>
+          </a:p>
+        </p:txBody>
+      </p:sp>
+      <p:cxnSp>
+        <p:nvCxnSpPr>
+          <p:cNvPr id="11" name="Ευθύγραμμο βέλος σύνδεσης 10">
+            <a:extLst>
+              <a:ext uri="{FF2B5EF4-FFF2-40B4-BE49-F238E27FC236}">
+                <a16:creationId xmlns:a16="http://schemas.microsoft.com/office/drawing/2014/main" id="{3CE6E92D-E1F6-DCCD-E73F-D12F6D3FA43D}"/>
+              </a:ext>
+            </a:extLst>
+          </p:cNvPr>
+          <p:cNvCxnSpPr>
+            <a:cxnSpLocks/>
+          </p:cNvCxnSpPr>
+          <p:nvPr/>
+        </p:nvCxnSpPr>
+        <p:spPr>
+          <a:xfrm>
+            <a:off x="1435396" y="4471116"/>
+            <a:ext cx="2229058" cy="439427"/>
+          </a:xfrm>
+          <a:prstGeom prst="straightConnector1">
+            <a:avLst/>
+          </a:prstGeom>
+          <a:ln w="19050">
+            <a:solidFill>
+              <a:srgbClr val="FF0000"/>
+            </a:solidFill>
+            <a:prstDash val="dash"/>
+            <a:headEnd type="arrow" w="med" len="med"/>
+            <a:tailEnd type="arrow" w="med" len="med"/>
+          </a:ln>
+        </p:spPr>
+        <p:style>
+          <a:lnRef idx="1">
+            <a:schemeClr val="accent1"/>
+          </a:lnRef>
+          <a:fillRef idx="0">
+            <a:schemeClr val="accent1"/>
+          </a:fillRef>
+          <a:effectRef idx="0">
+            <a:schemeClr val="accent1"/>
+          </a:effectRef>
+          <a:fontRef idx="minor">
+            <a:schemeClr val="tx1"/>
+          </a:fontRef>
+        </p:style>
+      </p:cxnSp>
+      <p:sp>
+        <p:nvSpPr>
+          <p:cNvPr id="16" name="TextBox 15">
+            <a:extLst>
+              <a:ext uri="{FF2B5EF4-FFF2-40B4-BE49-F238E27FC236}">
+                <a16:creationId xmlns:a16="http://schemas.microsoft.com/office/drawing/2014/main" id="{05090572-DDB2-D101-C5B2-61E0FDA15563}"/>
+              </a:ext>
+            </a:extLst>
+          </p:cNvPr>
+          <p:cNvSpPr txBox="1"/>
+          <p:nvPr/>
+        </p:nvSpPr>
+        <p:spPr>
+          <a:xfrm>
+            <a:off x="1307805" y="1913860"/>
+            <a:ext cx="10045995" cy="369332"/>
+          </a:xfrm>
+          <a:prstGeom prst="rect">
+            <a:avLst/>
+          </a:prstGeom>
+          <a:noFill/>
+        </p:spPr>
+        <p:txBody>
+          <a:bodyPr wrap="square" rtlCol="0">
+            <a:spAutoFit/>
+          </a:bodyPr>
+          <a:lstStyle/>
+          <a:p>
+            <a:r>
+              <a:rPr lang="en-US" dirty="0"/>
+              <a:t>The sales progression of </a:t>
+            </a:r>
+            <a:r>
+              <a:rPr lang="en-US" b="1" dirty="0"/>
+              <a:t>Rock</a:t>
+            </a:r>
+            <a:r>
+              <a:rPr lang="en-US" dirty="0"/>
+              <a:t> and </a:t>
+            </a:r>
+            <a:r>
+              <a:rPr lang="en-US" b="1" dirty="0"/>
+              <a:t>Metal</a:t>
+            </a:r>
+            <a:r>
+              <a:rPr lang="en-US" dirty="0"/>
+              <a:t> tracks, and their effect on total sales performance</a:t>
+            </a:r>
+            <a:endParaRPr lang="el-GR" dirty="0"/>
+          </a:p>
+        </p:txBody>
+      </p:sp>
+      <p:cxnSp>
+        <p:nvCxnSpPr>
+          <p:cNvPr id="22" name="Ευθύγραμμο βέλος σύνδεσης 21">
+            <a:extLst>
+              <a:ext uri="{FF2B5EF4-FFF2-40B4-BE49-F238E27FC236}">
+                <a16:creationId xmlns:a16="http://schemas.microsoft.com/office/drawing/2014/main" id="{A56AFBEE-E2D2-7D63-23C0-ED715A6AD325}"/>
+              </a:ext>
+            </a:extLst>
+          </p:cNvPr>
+          <p:cNvCxnSpPr>
+            <a:cxnSpLocks/>
+          </p:cNvCxnSpPr>
+          <p:nvPr/>
+        </p:nvCxnSpPr>
+        <p:spPr>
+          <a:xfrm flipV="1">
+            <a:off x="4338083" y="4471117"/>
+            <a:ext cx="1743290" cy="439426"/>
+          </a:xfrm>
+          <a:prstGeom prst="straightConnector1">
+            <a:avLst/>
+          </a:prstGeom>
+          <a:ln w="19050">
+            <a:solidFill>
+              <a:srgbClr val="FF0000"/>
+            </a:solidFill>
+            <a:prstDash val="dash"/>
+            <a:headEnd type="arrow" w="med" len="med"/>
+            <a:tailEnd type="arrow" w="med" len="med"/>
+          </a:ln>
+        </p:spPr>
+        <p:style>
+          <a:lnRef idx="1">
+            <a:schemeClr val="accent1"/>
+          </a:lnRef>
+          <a:fillRef idx="0">
+            <a:schemeClr val="accent1"/>
+          </a:fillRef>
+          <a:effectRef idx="0">
+            <a:schemeClr val="accent1"/>
+          </a:effectRef>
+          <a:fontRef idx="minor">
+            <a:schemeClr val="tx1"/>
+          </a:fontRef>
+        </p:style>
+      </p:cxnSp>
+      <p:pic>
+        <p:nvPicPr>
+          <p:cNvPr id="7" name="Εικόνα 6">
+            <a:extLst>
+              <a:ext uri="{FF2B5EF4-FFF2-40B4-BE49-F238E27FC236}">
+                <a16:creationId xmlns:a16="http://schemas.microsoft.com/office/drawing/2014/main" id="{1266DC84-C778-F120-D4D8-5EA07684C46E}"/>
+              </a:ext>
+            </a:extLst>
+          </p:cNvPr>
+          <p:cNvPicPr>
+            <a:picLocks noChangeAspect="1"/>
+          </p:cNvPicPr>
+          <p:nvPr/>
+        </p:nvPicPr>
+        <p:blipFill>
+          <a:blip r:embed="rId4">
+            <a:extLst>
+              <a:ext uri="{28A0092B-C50C-407E-A947-70E740481C1C}">
+                <a14:useLocalDpi xmlns:a14="http://schemas.microsoft.com/office/drawing/2010/main" val="0"/>
+              </a:ext>
+            </a:extLst>
+          </a:blip>
+          <a:stretch>
+            <a:fillRect/>
+          </a:stretch>
+        </p:blipFill>
+        <p:spPr>
+          <a:xfrm>
+            <a:off x="6112058" y="2754081"/>
+            <a:ext cx="6102997" cy="3434065"/>
+          </a:xfrm>
+          <a:prstGeom prst="rect">
+            <a:avLst/>
+          </a:prstGeom>
+        </p:spPr>
+      </p:pic>
+    </p:spTree>
+    <p:extLst>
+      <p:ext uri="{BB962C8B-B14F-4D97-AF65-F5344CB8AC3E}">
+        <p14:creationId xmlns:p14="http://schemas.microsoft.com/office/powerpoint/2010/main" val="2054550697"/>
+      </p:ext>
+    </p:extLst>
+  </p:cSld>
+  <p:clrMapOvr>
+    <a:masterClrMapping/>
+  </p:clrMapOvr>
+</p:sld>
+</file>
+
+<file path=ppt/slides/slide12.xml><?xml version="1.0" encoding="utf-8"?>
+<p:sld xmlns:a="http://schemas.openxmlformats.org/drawingml/2006/main" xmlns:r="http://schemas.openxmlformats.org/officeDocument/2006/relationships" xmlns:p="http://schemas.openxmlformats.org/presentationml/2006/main">
+  <p:cSld>
+    <p:spTree>
+      <p:nvGrpSpPr>
+        <p:cNvPr id="1" name=""/>
+        <p:cNvGrpSpPr/>
+        <p:nvPr/>
+      </p:nvGrpSpPr>
+      <p:grpSpPr>
+        <a:xfrm>
+          <a:off x="0" y="0"/>
+          <a:ext cx="0" cy="0"/>
+          <a:chOff x="0" y="0"/>
+          <a:chExt cx="0" cy="0"/>
+        </a:xfrm>
+      </p:grpSpPr>
+      <p:pic>
+        <p:nvPicPr>
+          <p:cNvPr id="5" name="Θέση περιεχομένου 4">
+            <a:extLst>
+              <a:ext uri="{FF2B5EF4-FFF2-40B4-BE49-F238E27FC236}">
+                <a16:creationId xmlns:a16="http://schemas.microsoft.com/office/drawing/2014/main" id="{E259427A-814F-6947-3FB0-915DC926AC7F}"/>
+              </a:ext>
+            </a:extLst>
+          </p:cNvPr>
+          <p:cNvPicPr>
+            <a:picLocks noGrp="1" noChangeAspect="1"/>
+          </p:cNvPicPr>
+          <p:nvPr>
+            <p:ph idx="1"/>
+          </p:nvPr>
+        </p:nvPicPr>
+        <p:blipFill>
+          <a:blip r:embed="rId2">
+            <a:extLst>
+              <a:ext uri="{28A0092B-C50C-407E-A947-70E740481C1C}">
+                <a14:useLocalDpi xmlns:a14="http://schemas.microsoft.com/office/drawing/2010/main" val="0"/>
+              </a:ext>
+            </a:extLst>
+          </a:blip>
+          <a:stretch>
+            <a:fillRect/>
+          </a:stretch>
+        </p:blipFill>
+        <p:spPr>
+          <a:xfrm>
+            <a:off x="0" y="1"/>
+            <a:ext cx="12192000" cy="1690688"/>
+          </a:xfrm>
+        </p:spPr>
+      </p:pic>
+      <p:sp>
+        <p:nvSpPr>
+          <p:cNvPr id="2" name="Τίτλος 1">
+            <a:extLst>
+              <a:ext uri="{FF2B5EF4-FFF2-40B4-BE49-F238E27FC236}">
+                <a16:creationId xmlns:a16="http://schemas.microsoft.com/office/drawing/2014/main" id="{7374E76E-E5E6-AA1C-C71F-6EC549D6EE9B}"/>
+              </a:ext>
+            </a:extLst>
+          </p:cNvPr>
+          <p:cNvSpPr>
+            <a:spLocks noGrp="1"/>
+          </p:cNvSpPr>
+          <p:nvPr>
+            <p:ph type="title"/>
+          </p:nvPr>
+        </p:nvSpPr>
+        <p:spPr/>
+        <p:txBody>
+          <a:bodyPr/>
+          <a:lstStyle/>
+          <a:p>
+            <a:r>
+              <a:rPr lang="en-US" b="1" dirty="0">
+                <a:solidFill>
+                  <a:schemeClr val="bg1"/>
+                </a:solidFill>
+                <a:effectLst>
+                  <a:outerShdw blurRad="38100" dist="38100" dir="2700000" algn="tl">
+                    <a:srgbClr val="000000">
+                      <a:alpha val="43137"/>
+                    </a:srgbClr>
+                  </a:outerShdw>
+                </a:effectLst>
+                <a:latin typeface="Segoe UI" panose="020B0502040204020203" pitchFamily="34" charset="0"/>
+                <a:cs typeface="Segoe UI" panose="020B0502040204020203" pitchFamily="34" charset="0"/>
+              </a:rPr>
+              <a:t>Power BI Employee Long Term Performance</a:t>
+            </a:r>
+            <a:endParaRPr lang="el-GR" b="1" dirty="0">
+              <a:solidFill>
+                <a:schemeClr val="bg1"/>
+              </a:solidFill>
+              <a:effectLst>
+                <a:outerShdw blurRad="38100" dist="38100" dir="2700000" algn="tl">
+                  <a:srgbClr val="000000">
+                    <a:alpha val="43137"/>
+                  </a:srgbClr>
+                </a:outerShdw>
+              </a:effectLst>
+              <a:latin typeface="Segoe UI" panose="020B0502040204020203" pitchFamily="34" charset="0"/>
+              <a:cs typeface="Segoe UI" panose="020B0502040204020203" pitchFamily="34" charset="0"/>
+            </a:endParaRPr>
+          </a:p>
+        </p:txBody>
+      </p:sp>
+      <p:pic>
+        <p:nvPicPr>
+          <p:cNvPr id="7" name="Εικόνα 6">
+            <a:extLst>
+              <a:ext uri="{FF2B5EF4-FFF2-40B4-BE49-F238E27FC236}">
+                <a16:creationId xmlns:a16="http://schemas.microsoft.com/office/drawing/2014/main" id="{4B7DA569-21AF-6D54-D07C-7FCD317DF790}"/>
+              </a:ext>
+            </a:extLst>
+          </p:cNvPr>
+          <p:cNvPicPr>
+            <a:picLocks noChangeAspect="1"/>
+          </p:cNvPicPr>
+          <p:nvPr/>
+        </p:nvPicPr>
+        <p:blipFill>
+          <a:blip r:embed="rId3">
+            <a:extLst>
+              <a:ext uri="{28A0092B-C50C-407E-A947-70E740481C1C}">
+                <a14:useLocalDpi xmlns:a14="http://schemas.microsoft.com/office/drawing/2010/main" val="0"/>
+              </a:ext>
+            </a:extLst>
+          </a:blip>
+          <a:stretch>
+            <a:fillRect/>
+          </a:stretch>
+        </p:blipFill>
+        <p:spPr>
+          <a:xfrm>
+            <a:off x="2591990" y="2347323"/>
+            <a:ext cx="7008020" cy="3925886"/>
+          </a:xfrm>
+          <a:prstGeom prst="rect">
+            <a:avLst/>
+          </a:prstGeom>
+        </p:spPr>
+      </p:pic>
+      <p:sp>
+        <p:nvSpPr>
+          <p:cNvPr id="8" name="TextBox 7">
+            <a:extLst>
+              <a:ext uri="{FF2B5EF4-FFF2-40B4-BE49-F238E27FC236}">
+                <a16:creationId xmlns:a16="http://schemas.microsoft.com/office/drawing/2014/main" id="{3A8A0327-9C4E-1706-5493-D8F5CB7CEC29}"/>
+              </a:ext>
+            </a:extLst>
+          </p:cNvPr>
+          <p:cNvSpPr txBox="1"/>
+          <p:nvPr/>
+        </p:nvSpPr>
+        <p:spPr>
+          <a:xfrm>
+            <a:off x="138223" y="4774019"/>
+            <a:ext cx="2211572" cy="369332"/>
+          </a:xfrm>
+          <a:prstGeom prst="rect">
+            <a:avLst/>
+          </a:prstGeom>
+          <a:noFill/>
+        </p:spPr>
+        <p:txBody>
+          <a:bodyPr wrap="square" rtlCol="0">
+            <a:spAutoFit/>
+          </a:bodyPr>
+          <a:lstStyle/>
+          <a:p>
+            <a:r>
+              <a:rPr lang="en-US" b="1" dirty="0"/>
+              <a:t>Funnel</a:t>
+            </a:r>
+            <a:r>
+              <a:rPr lang="en-US" dirty="0"/>
+              <a:t> Chart</a:t>
+            </a:r>
+            <a:endParaRPr lang="el-GR" dirty="0"/>
+          </a:p>
+        </p:txBody>
+      </p:sp>
+      <p:cxnSp>
+        <p:nvCxnSpPr>
+          <p:cNvPr id="10" name="Ευθύγραμμο βέλος σύνδεσης 9">
+            <a:extLst>
+              <a:ext uri="{FF2B5EF4-FFF2-40B4-BE49-F238E27FC236}">
+                <a16:creationId xmlns:a16="http://schemas.microsoft.com/office/drawing/2014/main" id="{EB160AD0-EA2E-27D3-C186-AFF588457AF8}"/>
+              </a:ext>
+            </a:extLst>
+          </p:cNvPr>
+          <p:cNvCxnSpPr/>
+          <p:nvPr/>
+        </p:nvCxnSpPr>
+        <p:spPr>
+          <a:xfrm>
+            <a:off x="1509823" y="5050465"/>
+            <a:ext cx="1082167" cy="318977"/>
+          </a:xfrm>
+          <a:prstGeom prst="straightConnector1">
+            <a:avLst/>
+          </a:prstGeom>
+          <a:ln>
+            <a:tailEnd type="triangle"/>
+          </a:ln>
+        </p:spPr>
+        <p:style>
+          <a:lnRef idx="3">
+            <a:schemeClr val="accent6"/>
+          </a:lnRef>
+          <a:fillRef idx="0">
+            <a:schemeClr val="accent6"/>
+          </a:fillRef>
+          <a:effectRef idx="2">
+            <a:schemeClr val="accent6"/>
+          </a:effectRef>
+          <a:fontRef idx="minor">
+            <a:schemeClr val="tx1"/>
+          </a:fontRef>
+        </p:style>
+      </p:cxnSp>
+      <p:sp>
+        <p:nvSpPr>
+          <p:cNvPr id="11" name="TextBox 10">
+            <a:extLst>
+              <a:ext uri="{FF2B5EF4-FFF2-40B4-BE49-F238E27FC236}">
+                <a16:creationId xmlns:a16="http://schemas.microsoft.com/office/drawing/2014/main" id="{B8D4EE61-D54D-A1DC-B6B3-30AB7BEEC570}"/>
+              </a:ext>
+            </a:extLst>
+          </p:cNvPr>
+          <p:cNvSpPr txBox="1"/>
+          <p:nvPr/>
+        </p:nvSpPr>
+        <p:spPr>
+          <a:xfrm>
+            <a:off x="9707526" y="2775098"/>
+            <a:ext cx="1562986" cy="923330"/>
+          </a:xfrm>
+          <a:prstGeom prst="rect">
+            <a:avLst/>
+          </a:prstGeom>
+          <a:noFill/>
+        </p:spPr>
+        <p:txBody>
+          <a:bodyPr wrap="square" rtlCol="0">
+            <a:spAutoFit/>
+          </a:bodyPr>
+          <a:lstStyle/>
+          <a:p>
+            <a:r>
+              <a:rPr lang="en-US" dirty="0"/>
+              <a:t>Jane</a:t>
+            </a:r>
+          </a:p>
+          <a:p>
+            <a:r>
+              <a:rPr lang="en-US" dirty="0"/>
+              <a:t>Margaret</a:t>
+            </a:r>
+          </a:p>
+          <a:p>
+            <a:r>
+              <a:rPr lang="en-US" dirty="0"/>
+              <a:t>Steve</a:t>
+            </a:r>
+            <a:endParaRPr lang="el-GR" dirty="0"/>
+          </a:p>
+        </p:txBody>
+      </p:sp>
+      <p:sp>
+        <p:nvSpPr>
+          <p:cNvPr id="12" name="Βέλος: Δεξιό 11">
+            <a:extLst>
+              <a:ext uri="{FF2B5EF4-FFF2-40B4-BE49-F238E27FC236}">
+                <a16:creationId xmlns:a16="http://schemas.microsoft.com/office/drawing/2014/main" id="{687D035B-C066-65D1-44DE-17750B7A475C}"/>
+              </a:ext>
+            </a:extLst>
+          </p:cNvPr>
+          <p:cNvSpPr/>
+          <p:nvPr/>
+        </p:nvSpPr>
+        <p:spPr>
+          <a:xfrm rot="18435758">
+            <a:off x="11051188" y="2884817"/>
+            <a:ext cx="193697" cy="160419"/>
+          </a:xfrm>
+          <a:prstGeom prst="rightArrow">
+            <a:avLst/>
+          </a:prstGeom>
+          <a:solidFill>
+            <a:schemeClr val="accent6">
+              <a:lumMod val="75000"/>
+            </a:schemeClr>
+          </a:solidFill>
+          <a:ln>
+            <a:solidFill>
+              <a:schemeClr val="accent6">
+                <a:lumMod val="75000"/>
+              </a:schemeClr>
+            </a:solidFill>
+          </a:ln>
+        </p:spPr>
+        <p:style>
+          <a:lnRef idx="2">
+            <a:schemeClr val="accent1">
+              <a:shade val="15000"/>
+            </a:schemeClr>
+          </a:lnRef>
+          <a:fillRef idx="1">
+            <a:schemeClr val="accent1"/>
+          </a:fillRef>
+          <a:effectRef idx="0">
+            <a:schemeClr val="accent1"/>
+          </a:effectRef>
+          <a:fontRef idx="minor">
+            <a:schemeClr val="lt1"/>
+          </a:fontRef>
+        </p:style>
+        <p:txBody>
+          <a:bodyPr rtlCol="0" anchor="ctr"/>
+          <a:lstStyle/>
+          <a:p>
+            <a:pPr algn="ctr"/>
+            <a:endParaRPr lang="el-GR"/>
+          </a:p>
+        </p:txBody>
+      </p:sp>
+      <p:sp>
+        <p:nvSpPr>
+          <p:cNvPr id="13" name="Βέλος: Δεξιό 12">
+            <a:extLst>
+              <a:ext uri="{FF2B5EF4-FFF2-40B4-BE49-F238E27FC236}">
+                <a16:creationId xmlns:a16="http://schemas.microsoft.com/office/drawing/2014/main" id="{32585172-C5A8-38CC-E6EE-739D695091B5}"/>
+              </a:ext>
+            </a:extLst>
+          </p:cNvPr>
+          <p:cNvSpPr/>
+          <p:nvPr/>
+        </p:nvSpPr>
+        <p:spPr>
+          <a:xfrm rot="2370786">
+            <a:off x="11056302" y="3152145"/>
+            <a:ext cx="193697" cy="160419"/>
+          </a:xfrm>
+          <a:prstGeom prst="rightArrow">
+            <a:avLst/>
+          </a:prstGeom>
+          <a:solidFill>
+            <a:schemeClr val="accent2">
+              <a:lumMod val="50000"/>
+            </a:schemeClr>
+          </a:solidFill>
+          <a:ln>
+            <a:solidFill>
+              <a:schemeClr val="accent2">
+                <a:lumMod val="50000"/>
+              </a:schemeClr>
+            </a:solidFill>
+          </a:ln>
+        </p:spPr>
+        <p:style>
+          <a:lnRef idx="2">
+            <a:schemeClr val="accent1">
+              <a:shade val="15000"/>
+            </a:schemeClr>
+          </a:lnRef>
+          <a:fillRef idx="1">
+            <a:schemeClr val="accent1"/>
+          </a:fillRef>
+          <a:effectRef idx="0">
+            <a:schemeClr val="accent1"/>
+          </a:effectRef>
+          <a:fontRef idx="minor">
+            <a:schemeClr val="lt1"/>
+          </a:fontRef>
+        </p:style>
+        <p:txBody>
+          <a:bodyPr rtlCol="0" anchor="ctr"/>
+          <a:lstStyle/>
+          <a:p>
+            <a:pPr algn="ctr"/>
+            <a:endParaRPr lang="el-GR"/>
+          </a:p>
+        </p:txBody>
+      </p:sp>
+      <p:sp>
+        <p:nvSpPr>
+          <p:cNvPr id="14" name="Βέλος: Δεξιό 13">
+            <a:extLst>
+              <a:ext uri="{FF2B5EF4-FFF2-40B4-BE49-F238E27FC236}">
+                <a16:creationId xmlns:a16="http://schemas.microsoft.com/office/drawing/2014/main" id="{43241903-3B45-FE2E-31B6-A937A18F149E}"/>
+              </a:ext>
+            </a:extLst>
+          </p:cNvPr>
+          <p:cNvSpPr/>
+          <p:nvPr/>
+        </p:nvSpPr>
+        <p:spPr>
+          <a:xfrm rot="2312486">
+            <a:off x="11051187" y="3419474"/>
+            <a:ext cx="193697" cy="160419"/>
+          </a:xfrm>
+          <a:prstGeom prst="rightArrow">
+            <a:avLst/>
+          </a:prstGeom>
+          <a:solidFill>
+            <a:schemeClr val="accent2">
+              <a:lumMod val="50000"/>
+            </a:schemeClr>
+          </a:solidFill>
+          <a:ln>
+            <a:solidFill>
+              <a:schemeClr val="accent2">
+                <a:lumMod val="50000"/>
+              </a:schemeClr>
+            </a:solidFill>
+          </a:ln>
+        </p:spPr>
+        <p:style>
+          <a:lnRef idx="2">
+            <a:schemeClr val="accent1">
+              <a:shade val="15000"/>
+            </a:schemeClr>
+          </a:lnRef>
+          <a:fillRef idx="1">
+            <a:schemeClr val="accent1"/>
+          </a:fillRef>
+          <a:effectRef idx="0">
+            <a:schemeClr val="accent1"/>
+          </a:effectRef>
+          <a:fontRef idx="minor">
+            <a:schemeClr val="lt1"/>
+          </a:fontRef>
+        </p:style>
+        <p:txBody>
+          <a:bodyPr rtlCol="0" anchor="ctr"/>
+          <a:lstStyle/>
+          <a:p>
+            <a:pPr algn="ctr"/>
+            <a:endParaRPr lang="el-GR"/>
+          </a:p>
+        </p:txBody>
+      </p:sp>
+    </p:spTree>
+    <p:extLst>
+      <p:ext uri="{BB962C8B-B14F-4D97-AF65-F5344CB8AC3E}">
+        <p14:creationId xmlns:p14="http://schemas.microsoft.com/office/powerpoint/2010/main" val="723371219"/>
+      </p:ext>
+    </p:extLst>
+  </p:cSld>
+  <p:clrMapOvr>
+    <a:masterClrMapping/>
+  </p:clrMapOvr>
+</p:sld>
+</file>
+
+<file path=ppt/slides/slide13.xml><?xml version="1.0" encoding="utf-8"?>
+<p:sld xmlns:a="http://schemas.openxmlformats.org/drawingml/2006/main" xmlns:r="http://schemas.openxmlformats.org/officeDocument/2006/relationships" xmlns:p="http://schemas.openxmlformats.org/presentationml/2006/main">
+  <p:cSld>
+    <p:spTree>
+      <p:nvGrpSpPr>
+        <p:cNvPr id="1" name=""/>
+        <p:cNvGrpSpPr/>
+        <p:nvPr/>
+      </p:nvGrpSpPr>
+      <p:grpSpPr>
+        <a:xfrm>
+          <a:off x="0" y="0"/>
+          <a:ext cx="0" cy="0"/>
+          <a:chOff x="0" y="0"/>
+          <a:chExt cx="0" cy="0"/>
+        </a:xfrm>
+      </p:grpSpPr>
+      <p:pic>
+        <p:nvPicPr>
+          <p:cNvPr id="5" name="Θέση περιεχομένου 4">
+            <a:extLst>
+              <a:ext uri="{FF2B5EF4-FFF2-40B4-BE49-F238E27FC236}">
                 <a16:creationId xmlns:a16="http://schemas.microsoft.com/office/drawing/2014/main" id="{915A4B61-1D84-506F-AD47-4D0C806DA205}"/>
               </a:ext>
             </a:extLst>
@@ -4248,7 +5596,7 @@
 </p:sld>
 </file>
 
-<file path=ppt/slides/slide11.xml><?xml version="1.0" encoding="utf-8"?>
+<file path=ppt/slides/slide14.xml><?xml version="1.0" encoding="utf-8"?>
 <p:sld xmlns:a="http://schemas.openxmlformats.org/drawingml/2006/main" xmlns:r="http://schemas.openxmlformats.org/officeDocument/2006/relationships" xmlns:p="http://schemas.openxmlformats.org/presentationml/2006/main">
   <p:cSld>
     <p:spTree>
@@ -4838,7 +6186,7 @@
           <p:cNvPr id="5" name="Θέση περιεχομένου 4">
             <a:extLst>
               <a:ext uri="{FF2B5EF4-FFF2-40B4-BE49-F238E27FC236}">
-                <a16:creationId xmlns:a16="http://schemas.microsoft.com/office/drawing/2014/main" id="{EF1F0CC2-BCBF-70A1-2573-986DCD2F0286}"/>
+                <a16:creationId xmlns:a16="http://schemas.microsoft.com/office/drawing/2014/main" id="{EE046BAC-626B-19DE-6F13-F831008FCF79}"/>
               </a:ext>
             </a:extLst>
           </p:cNvPr>
@@ -4873,7 +6221,7 @@
           <p:cNvPr id="2" name="Τίτλος 1">
             <a:extLst>
               <a:ext uri="{FF2B5EF4-FFF2-40B4-BE49-F238E27FC236}">
-                <a16:creationId xmlns:a16="http://schemas.microsoft.com/office/drawing/2014/main" id="{A4E5913B-13B6-08B0-6204-CC071755C85B}"/>
+                <a16:creationId xmlns:a16="http://schemas.microsoft.com/office/drawing/2014/main" id="{4AE3CD8E-6B20-3210-5B1C-9A77745290C0}"/>
               </a:ext>
             </a:extLst>
           </p:cNvPr>
@@ -4904,7 +6252,41 @@
                 <a:latin typeface="Segoe UI" panose="020B0502040204020203" pitchFamily="34" charset="0"/>
                 <a:cs typeface="Segoe UI" panose="020B0502040204020203" pitchFamily="34" charset="0"/>
               </a:rPr>
-              <a:t>Data Warehouse Snowflake Schema</a:t>
+              <a:t>OLTP Database</a:t>
+            </a:r>
+            <a:r>
+              <a:rPr lang="el-GR" b="1" dirty="0">
+                <a:solidFill>
+                  <a:schemeClr val="bg1"/>
+                </a:solidFill>
+                <a:effectLst>
+                  <a:outerShdw blurRad="38100" dist="38100" dir="2700000" algn="tl">
+                    <a:srgbClr val="000000">
+                      <a:alpha val="43137"/>
+                    </a:srgbClr>
+                  </a:outerShdw>
+                </a:effectLst>
+                <a:latin typeface="Segoe UI" panose="020B0502040204020203" pitchFamily="34" charset="0"/>
+                <a:cs typeface="Segoe UI" panose="020B0502040204020203" pitchFamily="34" charset="0"/>
+              </a:rPr>
+              <a:t>: </a:t>
+            </a:r>
+            <a:r>
+              <a:rPr lang="en-US" b="1">
+                <a:solidFill>
+                  <a:schemeClr val="bg1"/>
+                </a:solidFill>
+                <a:effectLst>
+                  <a:outerShdw blurRad="38100" dist="38100" dir="2700000" algn="tl">
+                    <a:srgbClr val="000000">
+                      <a:alpha val="43137"/>
+                    </a:srgbClr>
+                  </a:outerShdw>
+                </a:effectLst>
+                <a:latin typeface="Segoe UI" panose="020B0502040204020203" pitchFamily="34" charset="0"/>
+                <a:cs typeface="Segoe UI" panose="020B0502040204020203" pitchFamily="34" charset="0"/>
+              </a:rPr>
+              <a:t>Chinook</a:t>
             </a:r>
             <a:endParaRPr lang="el-GR" b="1" dirty="0">
               <a:solidFill>
@@ -4925,10 +6307,10 @@
       </p:sp>
       <p:pic>
         <p:nvPicPr>
-          <p:cNvPr id="7" name="Εικόνα 6">
-            <a:extLst>
-              <a:ext uri="{FF2B5EF4-FFF2-40B4-BE49-F238E27FC236}">
-                <a16:creationId xmlns:a16="http://schemas.microsoft.com/office/drawing/2014/main" id="{7A4FB6F4-AA2C-D5BD-1DBD-A2838C5309D7}"/>
+          <p:cNvPr id="4" name="Εικόνα 3" descr="Εικόνα που περιέχει κείμενο, διάγραμμα, παράλληλα, στιγμιότυπο οθόνης&#10;&#10;Περιγραφή που δημιουργήθηκε αυτόματα">
+            <a:extLst>
+              <a:ext uri="{FF2B5EF4-FFF2-40B4-BE49-F238E27FC236}">
+                <a16:creationId xmlns:a16="http://schemas.microsoft.com/office/drawing/2014/main" id="{C25522E3-FBB4-6E19-0A2E-194843D11A3E}"/>
               </a:ext>
             </a:extLst>
           </p:cNvPr>
@@ -4951,8 +6333,8 @@
         </p:blipFill>
         <p:spPr>
           <a:xfrm>
-            <a:off x="5208181" y="1876281"/>
-            <a:ext cx="5688419" cy="4616594"/>
+            <a:off x="6096000" y="1690688"/>
+            <a:ext cx="4739132" cy="5087872"/>
           </a:xfrm>
           <a:prstGeom prst="rect">
             <a:avLst/>
@@ -4964,7 +6346,7 @@
           <p:cNvPr id="8" name="TextBox 7">
             <a:extLst>
               <a:ext uri="{FF2B5EF4-FFF2-40B4-BE49-F238E27FC236}">
-                <a16:creationId xmlns:a16="http://schemas.microsoft.com/office/drawing/2014/main" id="{0DC5F324-CFD0-3248-7A37-22F78526CAFD}"/>
+                <a16:creationId xmlns:a16="http://schemas.microsoft.com/office/drawing/2014/main" id="{6B14F766-F120-8791-3533-9947B9D33F2B}"/>
               </a:ext>
             </a:extLst>
           </p:cNvPr>
@@ -4973,8 +6355,8 @@
         </p:nvSpPr>
         <p:spPr>
           <a:xfrm>
-            <a:off x="584791" y="1682677"/>
-            <a:ext cx="4763386" cy="4831579"/>
+            <a:off x="499533" y="2209800"/>
+            <a:ext cx="4682067" cy="4524315"/>
           </a:xfrm>
           <a:prstGeom prst="rect">
             <a:avLst/>
@@ -4987,125 +6369,272 @@
           </a:bodyPr>
           <a:lstStyle/>
           <a:p>
-            <a:pPr>
-              <a:lnSpc>
-                <a:spcPct val="150000"/>
-              </a:lnSpc>
-            </a:pPr>
-            <a:r>
-              <a:rPr lang="en-US" sz="2600" u="sng" dirty="0"/>
-              <a:t>Fact</a:t>
-            </a:r>
-            <a:r>
-              <a:rPr lang="en-US" sz="2600" dirty="0"/>
-              <a:t>: </a:t>
-            </a:r>
-          </a:p>
-          <a:p>
             <a:pPr marL="285750" indent="-285750">
-              <a:lnSpc>
-                <a:spcPct val="150000"/>
-              </a:lnSpc>
               <a:buFont typeface="Arial" panose="020B0604020202020204" pitchFamily="34" charset="0"/>
               <a:buChar char="•"/>
             </a:pPr>
             <a:r>
-              <a:rPr lang="en-US" sz="2600" dirty="0" err="1"/>
-              <a:t>FactSales</a:t>
-            </a:r>
-            <a:endParaRPr lang="en-US" sz="2600" dirty="0"/>
-          </a:p>
-          <a:p>
-            <a:pPr>
-              <a:lnSpc>
-                <a:spcPct val="150000"/>
-              </a:lnSpc>
-            </a:pPr>
-            <a:r>
-              <a:rPr lang="en-US" sz="2600" u="sng" dirty="0"/>
-              <a:t>Dimensions</a:t>
-            </a:r>
-            <a:r>
-              <a:rPr lang="en-US" sz="2600" dirty="0"/>
-              <a:t>:</a:t>
-            </a:r>
+              <a:rPr lang="en-US" b="1" dirty="0">
+                <a:solidFill>
+                  <a:srgbClr val="000000"/>
+                </a:solidFill>
+                <a:latin typeface="Segoe UI" panose="020B0502040204020203" pitchFamily="34" charset="0"/>
+                <a:cs typeface="Segoe UI" panose="020B0502040204020203" pitchFamily="34" charset="0"/>
+              </a:rPr>
+              <a:t>Invoice, </a:t>
+            </a:r>
+            <a:r>
+              <a:rPr lang="en-US" b="1" dirty="0" err="1">
+                <a:solidFill>
+                  <a:srgbClr val="000000"/>
+                </a:solidFill>
+                <a:latin typeface="Segoe UI" panose="020B0502040204020203" pitchFamily="34" charset="0"/>
+                <a:cs typeface="Segoe UI" panose="020B0502040204020203" pitchFamily="34" charset="0"/>
+              </a:rPr>
+              <a:t>InvoiceLine</a:t>
+            </a:r>
+            <a:r>
+              <a:rPr lang="en-US" b="1" dirty="0">
+                <a:solidFill>
+                  <a:srgbClr val="000000"/>
+                </a:solidFill>
+                <a:latin typeface="Segoe UI" panose="020B0502040204020203" pitchFamily="34" charset="0"/>
+                <a:cs typeface="Segoe UI" panose="020B0502040204020203" pitchFamily="34" charset="0"/>
+              </a:rPr>
+              <a:t>: </a:t>
+            </a:r>
+            <a:r>
+              <a:rPr lang="en-US" dirty="0">
+                <a:solidFill>
+                  <a:srgbClr val="000000"/>
+                </a:solidFill>
+                <a:latin typeface="Segoe UI" panose="020B0502040204020203" pitchFamily="34" charset="0"/>
+                <a:cs typeface="Segoe UI" panose="020B0502040204020203" pitchFamily="34" charset="0"/>
+              </a:rPr>
+              <a:t>Tables that contain measures. Used for fact table.</a:t>
+            </a:r>
+            <a:endParaRPr lang="en-US" b="0" i="0" dirty="0">
+              <a:solidFill>
+                <a:srgbClr val="000000"/>
+              </a:solidFill>
+              <a:effectLst/>
+              <a:latin typeface="Segoe UI" panose="020B0502040204020203" pitchFamily="34" charset="0"/>
+              <a:cs typeface="Segoe UI" panose="020B0502040204020203" pitchFamily="34" charset="0"/>
+            </a:endParaRPr>
           </a:p>
           <a:p>
             <a:pPr marL="285750" indent="-285750">
-              <a:lnSpc>
-                <a:spcPct val="150000"/>
-              </a:lnSpc>
               <a:buFont typeface="Arial" panose="020B0604020202020204" pitchFamily="34" charset="0"/>
               <a:buChar char="•"/>
             </a:pPr>
-            <a:r>
-              <a:rPr lang="en-US" sz="2600" dirty="0" err="1"/>
-              <a:t>DimEmployee</a:t>
-            </a:r>
-            <a:endParaRPr lang="en-US" sz="2600" dirty="0"/>
+            <a:endParaRPr lang="en-US" dirty="0">
+              <a:solidFill>
+                <a:srgbClr val="000000"/>
+              </a:solidFill>
+              <a:latin typeface="Segoe UI" panose="020B0502040204020203" pitchFamily="34" charset="0"/>
+              <a:cs typeface="Segoe UI" panose="020B0502040204020203" pitchFamily="34" charset="0"/>
+            </a:endParaRPr>
           </a:p>
           <a:p>
             <a:pPr marL="285750" indent="-285750">
-              <a:lnSpc>
-                <a:spcPct val="150000"/>
-              </a:lnSpc>
               <a:buFont typeface="Arial" panose="020B0604020202020204" pitchFamily="34" charset="0"/>
               <a:buChar char="•"/>
             </a:pPr>
             <a:r>
-              <a:rPr lang="en-US" sz="2600" dirty="0" err="1"/>
-              <a:t>DimDate</a:t>
-            </a:r>
-            <a:endParaRPr lang="en-US" sz="2600" dirty="0"/>
+              <a:rPr lang="en-US" b="1" dirty="0">
+                <a:solidFill>
+                  <a:srgbClr val="000000"/>
+                </a:solidFill>
+                <a:latin typeface="Segoe UI" panose="020B0502040204020203" pitchFamily="34" charset="0"/>
+                <a:cs typeface="Segoe UI" panose="020B0502040204020203" pitchFamily="34" charset="0"/>
+              </a:rPr>
+              <a:t>Customer, Employee: </a:t>
+            </a:r>
+            <a:r>
+              <a:rPr lang="en-US" dirty="0">
+                <a:solidFill>
+                  <a:srgbClr val="000000"/>
+                </a:solidFill>
+                <a:latin typeface="Segoe UI" panose="020B0502040204020203" pitchFamily="34" charset="0"/>
+                <a:cs typeface="Segoe UI" panose="020B0502040204020203" pitchFamily="34" charset="0"/>
+              </a:rPr>
+              <a:t>Keep as dimensions, exclude some columns</a:t>
+            </a:r>
+            <a:endParaRPr lang="en-US" b="1" dirty="0">
+              <a:solidFill>
+                <a:srgbClr val="000000"/>
+              </a:solidFill>
+              <a:latin typeface="Segoe UI" panose="020B0502040204020203" pitchFamily="34" charset="0"/>
+              <a:cs typeface="Segoe UI" panose="020B0502040204020203" pitchFamily="34" charset="0"/>
+            </a:endParaRPr>
           </a:p>
           <a:p>
             <a:pPr marL="285750" indent="-285750">
-              <a:lnSpc>
-                <a:spcPct val="150000"/>
-              </a:lnSpc>
               <a:buFont typeface="Arial" panose="020B0604020202020204" pitchFamily="34" charset="0"/>
               <a:buChar char="•"/>
             </a:pPr>
-            <a:r>
-              <a:rPr lang="en-US" sz="2600" dirty="0" err="1"/>
-              <a:t>DimCustomer</a:t>
-            </a:r>
-            <a:endParaRPr lang="en-US" sz="2600" dirty="0"/>
+            <a:endParaRPr lang="en-US" dirty="0">
+              <a:solidFill>
+                <a:srgbClr val="000000"/>
+              </a:solidFill>
+              <a:latin typeface="Segoe UI" panose="020B0502040204020203" pitchFamily="34" charset="0"/>
+              <a:cs typeface="Segoe UI" panose="020B0502040204020203" pitchFamily="34" charset="0"/>
+            </a:endParaRPr>
           </a:p>
           <a:p>
             <a:pPr marL="285750" indent="-285750">
-              <a:lnSpc>
-                <a:spcPct val="150000"/>
-              </a:lnSpc>
               <a:buFont typeface="Arial" panose="020B0604020202020204" pitchFamily="34" charset="0"/>
               <a:buChar char="•"/>
             </a:pPr>
             <a:r>
-              <a:rPr lang="en-US" sz="2600" dirty="0" err="1"/>
-              <a:t>DimPlaylist</a:t>
-            </a:r>
-            <a:endParaRPr lang="en-US" sz="2600" dirty="0"/>
+              <a:rPr lang="en-US" b="1" dirty="0">
+                <a:solidFill>
+                  <a:srgbClr val="000000"/>
+                </a:solidFill>
+                <a:latin typeface="Segoe UI" panose="020B0502040204020203" pitchFamily="34" charset="0"/>
+                <a:cs typeface="Segoe UI" panose="020B0502040204020203" pitchFamily="34" charset="0"/>
+              </a:rPr>
+              <a:t>Track: </a:t>
+            </a:r>
+            <a:r>
+              <a:rPr lang="en-US" dirty="0">
+                <a:solidFill>
+                  <a:srgbClr val="000000"/>
+                </a:solidFill>
+                <a:latin typeface="Segoe UI" panose="020B0502040204020203" pitchFamily="34" charset="0"/>
+                <a:cs typeface="Segoe UI" panose="020B0502040204020203" pitchFamily="34" charset="0"/>
+              </a:rPr>
+              <a:t>Keep as dimension table. Include information from the tables </a:t>
+            </a:r>
+            <a:r>
+              <a:rPr lang="en-US" i="1" dirty="0">
+                <a:solidFill>
+                  <a:srgbClr val="000000"/>
+                </a:solidFill>
+                <a:latin typeface="Segoe UI" panose="020B0502040204020203" pitchFamily="34" charset="0"/>
+                <a:cs typeface="Segoe UI" panose="020B0502040204020203" pitchFamily="34" charset="0"/>
+              </a:rPr>
+              <a:t>Album, Artist, Genre, MediaType.</a:t>
+            </a:r>
+            <a:endParaRPr lang="en-US" b="1" i="1" dirty="0">
+              <a:solidFill>
+                <a:srgbClr val="000000"/>
+              </a:solidFill>
+              <a:latin typeface="Segoe UI" panose="020B0502040204020203" pitchFamily="34" charset="0"/>
+              <a:cs typeface="Segoe UI" panose="020B0502040204020203" pitchFamily="34" charset="0"/>
+            </a:endParaRPr>
           </a:p>
           <a:p>
             <a:pPr marL="285750" indent="-285750">
-              <a:lnSpc>
-                <a:spcPct val="150000"/>
-              </a:lnSpc>
               <a:buFont typeface="Arial" panose="020B0604020202020204" pitchFamily="34" charset="0"/>
               <a:buChar char="•"/>
             </a:pPr>
-            <a:r>
-              <a:rPr lang="en-US" sz="2600" dirty="0" err="1"/>
-              <a:t>DimTrack</a:t>
-            </a:r>
-            <a:endParaRPr lang="el-GR" sz="2600" dirty="0"/>
+            <a:endParaRPr lang="en-US" dirty="0">
+              <a:solidFill>
+                <a:srgbClr val="000000"/>
+              </a:solidFill>
+              <a:latin typeface="Segoe UI" panose="020B0502040204020203" pitchFamily="34" charset="0"/>
+              <a:cs typeface="Segoe UI" panose="020B0502040204020203" pitchFamily="34" charset="0"/>
+            </a:endParaRPr>
+          </a:p>
+          <a:p>
+            <a:pPr marL="285750" indent="-285750">
+              <a:buFont typeface="Arial" panose="020B0604020202020204" pitchFamily="34" charset="0"/>
+              <a:buChar char="•"/>
+            </a:pPr>
+            <a:r>
+              <a:rPr lang="en-US" b="1" dirty="0" err="1">
+                <a:solidFill>
+                  <a:srgbClr val="000000"/>
+                </a:solidFill>
+                <a:latin typeface="Segoe UI" panose="020B0502040204020203" pitchFamily="34" charset="0"/>
+                <a:cs typeface="Segoe UI" panose="020B0502040204020203" pitchFamily="34" charset="0"/>
+              </a:rPr>
+              <a:t>PlaylistTrack</a:t>
+            </a:r>
+            <a:r>
+              <a:rPr lang="en-US" b="1" dirty="0">
+                <a:solidFill>
+                  <a:srgbClr val="000000"/>
+                </a:solidFill>
+                <a:latin typeface="Segoe UI" panose="020B0502040204020203" pitchFamily="34" charset="0"/>
+                <a:cs typeface="Segoe UI" panose="020B0502040204020203" pitchFamily="34" charset="0"/>
+              </a:rPr>
+              <a:t>: </a:t>
+            </a:r>
+            <a:r>
+              <a:rPr lang="en-US" dirty="0">
+                <a:solidFill>
+                  <a:srgbClr val="000000"/>
+                </a:solidFill>
+                <a:latin typeface="Segoe UI" panose="020B0502040204020203" pitchFamily="34" charset="0"/>
+                <a:cs typeface="Segoe UI" panose="020B0502040204020203" pitchFamily="34" charset="0"/>
+              </a:rPr>
+              <a:t>Intermediate table between Playlist and Track tables. Represents a many-to-many relationship.</a:t>
+            </a:r>
+            <a:endParaRPr lang="en-US" b="1" dirty="0">
+              <a:solidFill>
+                <a:srgbClr val="000000"/>
+              </a:solidFill>
+              <a:latin typeface="Segoe UI" panose="020B0502040204020203" pitchFamily="34" charset="0"/>
+              <a:cs typeface="Segoe UI" panose="020B0502040204020203" pitchFamily="34" charset="0"/>
+            </a:endParaRPr>
+          </a:p>
+          <a:p>
+            <a:pPr marL="285750" indent="-285750">
+              <a:buFont typeface="Arial" panose="020B0604020202020204" pitchFamily="34" charset="0"/>
+              <a:buChar char="•"/>
+            </a:pPr>
+            <a:endParaRPr lang="en-US" dirty="0">
+              <a:solidFill>
+                <a:srgbClr val="000000"/>
+              </a:solidFill>
+              <a:latin typeface="Segoe UI" panose="020B0502040204020203" pitchFamily="34" charset="0"/>
+              <a:cs typeface="Segoe UI" panose="020B0502040204020203" pitchFamily="34" charset="0"/>
+            </a:endParaRPr>
+          </a:p>
+          <a:p>
+            <a:pPr marL="285750" indent="-285750">
+              <a:buFont typeface="Arial" panose="020B0604020202020204" pitchFamily="34" charset="0"/>
+              <a:buChar char="•"/>
+            </a:pPr>
+            <a:r>
+              <a:rPr lang="en-US" b="1" dirty="0">
+                <a:solidFill>
+                  <a:srgbClr val="000000"/>
+                </a:solidFill>
+                <a:latin typeface="Segoe UI" panose="020B0502040204020203" pitchFamily="34" charset="0"/>
+                <a:cs typeface="Segoe UI" panose="020B0502040204020203" pitchFamily="34" charset="0"/>
+              </a:rPr>
+              <a:t>Playlist:</a:t>
+            </a:r>
+            <a:r>
+              <a:rPr lang="en-US" dirty="0">
+                <a:solidFill>
+                  <a:srgbClr val="000000"/>
+                </a:solidFill>
+                <a:latin typeface="Segoe UI" panose="020B0502040204020203" pitchFamily="34" charset="0"/>
+                <a:cs typeface="Segoe UI" panose="020B0502040204020203" pitchFamily="34" charset="0"/>
+              </a:rPr>
+              <a:t> Keep as dimension table.</a:t>
+            </a:r>
+            <a:endParaRPr lang="en-US" b="1" dirty="0">
+              <a:solidFill>
+                <a:srgbClr val="000000"/>
+              </a:solidFill>
+              <a:latin typeface="Segoe UI" panose="020B0502040204020203" pitchFamily="34" charset="0"/>
+              <a:cs typeface="Segoe UI" panose="020B0502040204020203" pitchFamily="34" charset="0"/>
+            </a:endParaRPr>
+          </a:p>
+          <a:p>
+            <a:endParaRPr lang="el-GR" dirty="0"/>
           </a:p>
         </p:txBody>
       </p:sp>
     </p:spTree>
     <p:extLst>
       <p:ext uri="{BB962C8B-B14F-4D97-AF65-F5344CB8AC3E}">
-        <p14:creationId xmlns:p14="http://schemas.microsoft.com/office/powerpoint/2010/main" val="2692238166"/>
+        <p14:creationId xmlns:p14="http://schemas.microsoft.com/office/powerpoint/2010/main" val="2713644633"/>
       </p:ext>
     </p:extLst>
   </p:cSld>
@@ -5137,7 +6666,7 @@
           <p:cNvPr id="5" name="Θέση περιεχομένου 4">
             <a:extLst>
               <a:ext uri="{FF2B5EF4-FFF2-40B4-BE49-F238E27FC236}">
-                <a16:creationId xmlns:a16="http://schemas.microsoft.com/office/drawing/2014/main" id="{20C56FB5-2EA5-31AF-282A-E584A1F1C2DF}"/>
+                <a16:creationId xmlns:a16="http://schemas.microsoft.com/office/drawing/2014/main" id="{EF1F0CC2-BCBF-70A1-2573-986DCD2F0286}"/>
               </a:ext>
             </a:extLst>
           </p:cNvPr>
@@ -5172,7 +6701,7 @@
           <p:cNvPr id="2" name="Τίτλος 1">
             <a:extLst>
               <a:ext uri="{FF2B5EF4-FFF2-40B4-BE49-F238E27FC236}">
-                <a16:creationId xmlns:a16="http://schemas.microsoft.com/office/drawing/2014/main" id="{5754D5A6-9B11-B144-E110-BBFF1E0F4A38}"/>
+                <a16:creationId xmlns:a16="http://schemas.microsoft.com/office/drawing/2014/main" id="{A4E5913B-13B6-08B0-6204-CC071755C85B}"/>
               </a:ext>
             </a:extLst>
           </p:cNvPr>
@@ -5203,7 +6732,7 @@
                 <a:latin typeface="Segoe UI" panose="020B0502040204020203" pitchFamily="34" charset="0"/>
                 <a:cs typeface="Segoe UI" panose="020B0502040204020203" pitchFamily="34" charset="0"/>
               </a:rPr>
-              <a:t>Visual Studio SSIS</a:t>
+              <a:t>Data Warehouse Snowflake Schema</a:t>
             </a:r>
             <a:endParaRPr lang="el-GR" b="1" dirty="0">
               <a:solidFill>
@@ -5222,12 +6751,155 @@
           </a:p>
         </p:txBody>
       </p:sp>
+      <p:sp>
+        <p:nvSpPr>
+          <p:cNvPr id="8" name="TextBox 7">
+            <a:extLst>
+              <a:ext uri="{FF2B5EF4-FFF2-40B4-BE49-F238E27FC236}">
+                <a16:creationId xmlns:a16="http://schemas.microsoft.com/office/drawing/2014/main" id="{0DC5F324-CFD0-3248-7A37-22F78526CAFD}"/>
+              </a:ext>
+            </a:extLst>
+          </p:cNvPr>
+          <p:cNvSpPr txBox="1"/>
+          <p:nvPr/>
+        </p:nvSpPr>
+        <p:spPr>
+          <a:xfrm>
+            <a:off x="584790" y="1682677"/>
+            <a:ext cx="5511209" cy="4831579"/>
+          </a:xfrm>
+          <a:prstGeom prst="rect">
+            <a:avLst/>
+          </a:prstGeom>
+          <a:noFill/>
+        </p:spPr>
+        <p:txBody>
+          <a:bodyPr wrap="square" rtlCol="0">
+            <a:spAutoFit/>
+          </a:bodyPr>
+          <a:lstStyle/>
+          <a:p>
+            <a:pPr>
+              <a:lnSpc>
+                <a:spcPct val="150000"/>
+              </a:lnSpc>
+            </a:pPr>
+            <a:r>
+              <a:rPr lang="en-US" sz="2600" u="sng" dirty="0"/>
+              <a:t>Fact table</a:t>
+            </a:r>
+            <a:r>
+              <a:rPr lang="en-US" sz="2600" dirty="0"/>
+              <a:t>: </a:t>
+            </a:r>
+          </a:p>
+          <a:p>
+            <a:pPr marL="285750" indent="-285750">
+              <a:lnSpc>
+                <a:spcPct val="150000"/>
+              </a:lnSpc>
+              <a:buFont typeface="Arial" panose="020B0604020202020204" pitchFamily="34" charset="0"/>
+              <a:buChar char="•"/>
+            </a:pPr>
+            <a:r>
+              <a:rPr lang="en-US" sz="2600" dirty="0" err="1"/>
+              <a:t>FactSales</a:t>
+            </a:r>
+            <a:endParaRPr lang="en-US" sz="2600" dirty="0"/>
+          </a:p>
+          <a:p>
+            <a:pPr>
+              <a:lnSpc>
+                <a:spcPct val="150000"/>
+              </a:lnSpc>
+            </a:pPr>
+            <a:r>
+              <a:rPr lang="en-US" sz="2600" u="sng" dirty="0"/>
+              <a:t>Dimensions</a:t>
+            </a:r>
+            <a:r>
+              <a:rPr lang="en-US" sz="2600" dirty="0"/>
+              <a:t>:</a:t>
+            </a:r>
+          </a:p>
+          <a:p>
+            <a:pPr marL="285750" indent="-285750">
+              <a:lnSpc>
+                <a:spcPct val="150000"/>
+              </a:lnSpc>
+              <a:buFont typeface="Arial" panose="020B0604020202020204" pitchFamily="34" charset="0"/>
+              <a:buChar char="•"/>
+            </a:pPr>
+            <a:r>
+              <a:rPr lang="en-US" sz="2600" dirty="0" err="1"/>
+              <a:t>DimEmployee</a:t>
+            </a:r>
+            <a:endParaRPr lang="en-US" sz="2600" dirty="0"/>
+          </a:p>
+          <a:p>
+            <a:pPr marL="285750" indent="-285750">
+              <a:lnSpc>
+                <a:spcPct val="150000"/>
+              </a:lnSpc>
+              <a:buFont typeface="Arial" panose="020B0604020202020204" pitchFamily="34" charset="0"/>
+              <a:buChar char="•"/>
+            </a:pPr>
+            <a:r>
+              <a:rPr lang="en-US" sz="2600" dirty="0" err="1"/>
+              <a:t>DimDate</a:t>
+            </a:r>
+            <a:endParaRPr lang="en-US" sz="2600" dirty="0"/>
+          </a:p>
+          <a:p>
+            <a:pPr marL="285750" indent="-285750">
+              <a:lnSpc>
+                <a:spcPct val="150000"/>
+              </a:lnSpc>
+              <a:buFont typeface="Arial" panose="020B0604020202020204" pitchFamily="34" charset="0"/>
+              <a:buChar char="•"/>
+            </a:pPr>
+            <a:r>
+              <a:rPr lang="en-US" sz="2600" dirty="0" err="1"/>
+              <a:t>DimCustomer</a:t>
+            </a:r>
+            <a:endParaRPr lang="en-US" sz="2600" dirty="0"/>
+          </a:p>
+          <a:p>
+            <a:pPr marL="285750" indent="-285750">
+              <a:lnSpc>
+                <a:spcPct val="150000"/>
+              </a:lnSpc>
+              <a:buFont typeface="Arial" panose="020B0604020202020204" pitchFamily="34" charset="0"/>
+              <a:buChar char="•"/>
+            </a:pPr>
+            <a:r>
+              <a:rPr lang="en-US" sz="2600" dirty="0" err="1"/>
+              <a:t>DimPlaylist</a:t>
+            </a:r>
+            <a:endParaRPr lang="en-US" sz="2600" dirty="0"/>
+          </a:p>
+          <a:p>
+            <a:pPr marL="285750" indent="-285750">
+              <a:lnSpc>
+                <a:spcPct val="150000"/>
+              </a:lnSpc>
+              <a:buFont typeface="Arial" panose="020B0604020202020204" pitchFamily="34" charset="0"/>
+              <a:buChar char="•"/>
+            </a:pPr>
+            <a:r>
+              <a:rPr lang="en-US" sz="2600" dirty="0" err="1"/>
+              <a:t>DimTrack</a:t>
+            </a:r>
+            <a:endParaRPr lang="el-GR" sz="2600" dirty="0"/>
+          </a:p>
+        </p:txBody>
+      </p:sp>
       <p:pic>
         <p:nvPicPr>
-          <p:cNvPr id="9" name="Εικόνα 8">
-            <a:extLst>
-              <a:ext uri="{FF2B5EF4-FFF2-40B4-BE49-F238E27FC236}">
-                <a16:creationId xmlns:a16="http://schemas.microsoft.com/office/drawing/2014/main" id="{8FB351C5-4451-A800-B60F-C91036AFD0BE}"/>
+          <p:cNvPr id="4" name="Εικόνα 3">
+            <a:extLst>
+              <a:ext uri="{FF2B5EF4-FFF2-40B4-BE49-F238E27FC236}">
+                <a16:creationId xmlns:a16="http://schemas.microsoft.com/office/drawing/2014/main" id="{3AA236CA-9AF9-A8EA-C911-602C6BCF427B}"/>
               </a:ext>
             </a:extLst>
           </p:cNvPr>
@@ -5237,21 +6909,15 @@
           <p:nvPr/>
         </p:nvPicPr>
         <p:blipFill>
-          <a:blip r:embed="rId3">
-            <a:extLst>
-              <a:ext uri="{28A0092B-C50C-407E-A947-70E740481C1C}">
-                <a14:useLocalDpi xmlns:a14="http://schemas.microsoft.com/office/drawing/2010/main" val="0"/>
-              </a:ext>
-            </a:extLst>
-          </a:blip>
+          <a:blip r:embed="rId3"/>
           <a:stretch>
             <a:fillRect/>
           </a:stretch>
         </p:blipFill>
         <p:spPr>
           <a:xfrm>
-            <a:off x="3637245" y="1690688"/>
-            <a:ext cx="4917509" cy="5130098"/>
+            <a:off x="6096001" y="1690687"/>
+            <a:ext cx="4861082" cy="5168005"/>
           </a:xfrm>
           <a:prstGeom prst="rect">
             <a:avLst/>
@@ -5261,7 +6927,7 @@
     </p:spTree>
     <p:extLst>
       <p:ext uri="{BB962C8B-B14F-4D97-AF65-F5344CB8AC3E}">
-        <p14:creationId xmlns:p14="http://schemas.microsoft.com/office/powerpoint/2010/main" val="2510256376"/>
+        <p14:creationId xmlns:p14="http://schemas.microsoft.com/office/powerpoint/2010/main" val="2692238166"/>
       </p:ext>
     </p:extLst>
   </p:cSld>
@@ -5293,7 +6959,7 @@
           <p:cNvPr id="5" name="Θέση περιεχομένου 4">
             <a:extLst>
               <a:ext uri="{FF2B5EF4-FFF2-40B4-BE49-F238E27FC236}">
-                <a16:creationId xmlns:a16="http://schemas.microsoft.com/office/drawing/2014/main" id="{2C2A562D-E334-5C75-94AB-51ECF4A69037}"/>
+                <a16:creationId xmlns:a16="http://schemas.microsoft.com/office/drawing/2014/main" id="{EF1F0CC2-BCBF-70A1-2573-986DCD2F0286}"/>
               </a:ext>
             </a:extLst>
           </p:cNvPr>
@@ -5328,7 +6994,7 @@
           <p:cNvPr id="2" name="Τίτλος 1">
             <a:extLst>
               <a:ext uri="{FF2B5EF4-FFF2-40B4-BE49-F238E27FC236}">
-                <a16:creationId xmlns:a16="http://schemas.microsoft.com/office/drawing/2014/main" id="{9647651E-D335-DC6A-69A8-11C9882C9E64}"/>
+                <a16:creationId xmlns:a16="http://schemas.microsoft.com/office/drawing/2014/main" id="{A4E5913B-13B6-08B0-6204-CC071755C85B}"/>
               </a:ext>
             </a:extLst>
           </p:cNvPr>
@@ -5359,7 +7025,7 @@
                 <a:latin typeface="Segoe UI" panose="020B0502040204020203" pitchFamily="34" charset="0"/>
                 <a:cs typeface="Segoe UI" panose="020B0502040204020203" pitchFamily="34" charset="0"/>
               </a:rPr>
-              <a:t>SSAS Tabular Model</a:t>
+              <a:t>SCD Type 2 for Customer</a:t>
             </a:r>
             <a:endParaRPr lang="el-GR" b="1" dirty="0">
               <a:solidFill>
@@ -5378,10 +7044,181 @@
           </a:p>
         </p:txBody>
       </p:sp>
+      <p:pic>
+        <p:nvPicPr>
+          <p:cNvPr id="9" name="Εικόνα 8">
+            <a:extLst>
+              <a:ext uri="{FF2B5EF4-FFF2-40B4-BE49-F238E27FC236}">
+                <a16:creationId xmlns:a16="http://schemas.microsoft.com/office/drawing/2014/main" id="{D0FA9AB4-05D8-58B0-1047-1F90845469D1}"/>
+              </a:ext>
+            </a:extLst>
+          </p:cNvPr>
+          <p:cNvPicPr>
+            <a:picLocks noChangeAspect="1"/>
+          </p:cNvPicPr>
+          <p:nvPr/>
+        </p:nvPicPr>
+        <p:blipFill>
+          <a:blip r:embed="rId3"/>
+          <a:stretch>
+            <a:fillRect/>
+          </a:stretch>
+        </p:blipFill>
+        <p:spPr>
+          <a:xfrm>
+            <a:off x="0" y="5331173"/>
+            <a:ext cx="12192000" cy="750721"/>
+          </a:xfrm>
+          <a:prstGeom prst="rect">
+            <a:avLst/>
+          </a:prstGeom>
+        </p:spPr>
+      </p:pic>
+      <p:sp>
+        <p:nvSpPr>
+          <p:cNvPr id="10" name="TextBox 9">
+            <a:extLst>
+              <a:ext uri="{FF2B5EF4-FFF2-40B4-BE49-F238E27FC236}">
+                <a16:creationId xmlns:a16="http://schemas.microsoft.com/office/drawing/2014/main" id="{DB1800CE-0B31-28B6-5D27-5EC33A50A18E}"/>
+              </a:ext>
+            </a:extLst>
+          </p:cNvPr>
+          <p:cNvSpPr txBox="1"/>
+          <p:nvPr/>
+        </p:nvSpPr>
+        <p:spPr>
+          <a:xfrm>
+            <a:off x="317795" y="1897874"/>
+            <a:ext cx="11556410" cy="3031086"/>
+          </a:xfrm>
+          <a:prstGeom prst="rect">
+            <a:avLst/>
+          </a:prstGeom>
+          <a:noFill/>
+        </p:spPr>
+        <p:txBody>
+          <a:bodyPr wrap="square" rtlCol="0">
+            <a:spAutoFit/>
+          </a:bodyPr>
+          <a:lstStyle/>
+          <a:p>
+            <a:pPr>
+              <a:lnSpc>
+                <a:spcPct val="150000"/>
+              </a:lnSpc>
+            </a:pPr>
+            <a:r>
+              <a:rPr lang="en-US" sz="2600" dirty="0"/>
+              <a:t>Random Changes on Customer table of Chinook database:</a:t>
+            </a:r>
+          </a:p>
+          <a:p>
+            <a:pPr marL="457200" indent="-457200">
+              <a:lnSpc>
+                <a:spcPct val="150000"/>
+              </a:lnSpc>
+              <a:buFont typeface="Arial" panose="020B0604020202020204" pitchFamily="34" charset="0"/>
+              <a:buChar char="•"/>
+            </a:pPr>
+            <a:r>
+              <a:rPr lang="en-US" sz="2600" dirty="0"/>
+              <a:t>Change fields of customer with </a:t>
+            </a:r>
+            <a:r>
+              <a:rPr lang="en-US" sz="2600" dirty="0" err="1"/>
+              <a:t>customerID</a:t>
+            </a:r>
+            <a:r>
+              <a:rPr lang="en-US" sz="2600" dirty="0"/>
+              <a:t> = 59</a:t>
+            </a:r>
+          </a:p>
+          <a:p>
+            <a:pPr marL="457200" indent="-457200">
+              <a:lnSpc>
+                <a:spcPct val="150000"/>
+              </a:lnSpc>
+              <a:buFont typeface="Arial" panose="020B0604020202020204" pitchFamily="34" charset="0"/>
+              <a:buChar char="•"/>
+            </a:pPr>
+            <a:r>
+              <a:rPr lang="en-US" sz="2600" dirty="0"/>
+              <a:t>Add customer with </a:t>
+            </a:r>
+            <a:r>
+              <a:rPr lang="en-US" sz="2600" dirty="0" err="1"/>
+              <a:t>customerFirstName</a:t>
+            </a:r>
+            <a:r>
+              <a:rPr lang="en-US" sz="2600" dirty="0"/>
+              <a:t> = Kostas</a:t>
+            </a:r>
+          </a:p>
+          <a:p>
+            <a:pPr>
+              <a:lnSpc>
+                <a:spcPct val="150000"/>
+              </a:lnSpc>
+            </a:pPr>
+            <a:r>
+              <a:rPr lang="en-US" sz="2600" dirty="0"/>
+              <a:t>Notice changes on rows </a:t>
+            </a:r>
+            <a:r>
+              <a:rPr lang="en-US" sz="2600" dirty="0" err="1"/>
+              <a:t>CustomerKey</a:t>
+            </a:r>
+            <a:r>
+              <a:rPr lang="en-US" sz="2600" dirty="0"/>
+              <a:t>, </a:t>
+            </a:r>
+            <a:r>
+              <a:rPr lang="en-US" sz="2600" dirty="0" err="1"/>
+              <a:t>CustomerId</a:t>
+            </a:r>
+            <a:r>
+              <a:rPr lang="en-US" sz="2600" dirty="0"/>
+              <a:t>, </a:t>
+            </a:r>
+            <a:r>
+              <a:rPr lang="en-US" sz="2600" dirty="0" err="1"/>
+              <a:t>RowIsCurrent</a:t>
+            </a:r>
+            <a:r>
+              <a:rPr lang="en-US" sz="2600" dirty="0"/>
+              <a:t>, </a:t>
+            </a:r>
+            <a:r>
+              <a:rPr lang="en-US" sz="2600" dirty="0" err="1"/>
+              <a:t>RowStartDate</a:t>
+            </a:r>
+            <a:r>
+              <a:rPr lang="en-US" sz="2600" dirty="0"/>
+              <a:t>, </a:t>
+            </a:r>
+            <a:r>
+              <a:rPr lang="en-US" sz="2600" dirty="0" err="1"/>
+              <a:t>RowEndDate</a:t>
+            </a:r>
+            <a:r>
+              <a:rPr lang="en-US" sz="2600" dirty="0"/>
+              <a:t>, and </a:t>
+            </a:r>
+            <a:r>
+              <a:rPr lang="en-US" sz="2600" dirty="0" err="1"/>
+              <a:t>RowChangeReason</a:t>
+            </a:r>
+            <a:r>
+              <a:rPr lang="en-US" sz="2600" dirty="0"/>
+              <a:t>.</a:t>
+            </a:r>
+          </a:p>
+        </p:txBody>
+      </p:sp>
     </p:spTree>
     <p:extLst>
       <p:ext uri="{BB962C8B-B14F-4D97-AF65-F5344CB8AC3E}">
-        <p14:creationId xmlns:p14="http://schemas.microsoft.com/office/powerpoint/2010/main" val="2648205208"/>
+        <p14:creationId xmlns:p14="http://schemas.microsoft.com/office/powerpoint/2010/main" val="2797611151"/>
       </p:ext>
     </p:extLst>
   </p:cSld>
@@ -5413,7 +7250,7 @@
           <p:cNvPr id="5" name="Θέση περιεχομένου 4">
             <a:extLst>
               <a:ext uri="{FF2B5EF4-FFF2-40B4-BE49-F238E27FC236}">
-                <a16:creationId xmlns:a16="http://schemas.microsoft.com/office/drawing/2014/main" id="{78F6FD1C-D2DA-B34B-95C7-A2DC80D310DF}"/>
+                <a16:creationId xmlns:a16="http://schemas.microsoft.com/office/drawing/2014/main" id="{EF1F0CC2-BCBF-70A1-2573-986DCD2F0286}"/>
               </a:ext>
             </a:extLst>
           </p:cNvPr>
@@ -5448,7 +7285,7 @@
           <p:cNvPr id="2" name="Τίτλος 1">
             <a:extLst>
               <a:ext uri="{FF2B5EF4-FFF2-40B4-BE49-F238E27FC236}">
-                <a16:creationId xmlns:a16="http://schemas.microsoft.com/office/drawing/2014/main" id="{2489DA6C-CE15-D804-639F-C87A27D4B327}"/>
+                <a16:creationId xmlns:a16="http://schemas.microsoft.com/office/drawing/2014/main" id="{A4E5913B-13B6-08B0-6204-CC071755C85B}"/>
               </a:ext>
             </a:extLst>
           </p:cNvPr>
@@ -5479,7 +7316,24 @@
                 <a:latin typeface="Segoe UI" panose="020B0502040204020203" pitchFamily="34" charset="0"/>
                 <a:cs typeface="Segoe UI" panose="020B0502040204020203" pitchFamily="34" charset="0"/>
               </a:rPr>
-              <a:t>Power BI General Sales Dashboard</a:t>
+              <a:t>Delta Loading for </a:t>
+            </a:r>
+            <a:r>
+              <a:rPr lang="en-US" b="1" dirty="0" err="1">
+                <a:solidFill>
+                  <a:schemeClr val="bg1"/>
+                </a:solidFill>
+                <a:effectLst>
+                  <a:outerShdw blurRad="38100" dist="38100" dir="2700000" algn="tl">
+                    <a:srgbClr val="000000">
+                      <a:alpha val="43137"/>
+                    </a:srgbClr>
+                  </a:outerShdw>
+                </a:effectLst>
+                <a:latin typeface="Segoe UI" panose="020B0502040204020203" pitchFamily="34" charset="0"/>
+                <a:cs typeface="Segoe UI" panose="020B0502040204020203" pitchFamily="34" charset="0"/>
+              </a:rPr>
+              <a:t>FactSales</a:t>
             </a:r>
             <a:endParaRPr lang="el-GR" b="1" dirty="0">
               <a:solidFill>
@@ -5498,12 +7352,75 @@
           </a:p>
         </p:txBody>
       </p:sp>
+      <p:sp>
+        <p:nvSpPr>
+          <p:cNvPr id="10" name="TextBox 9">
+            <a:extLst>
+              <a:ext uri="{FF2B5EF4-FFF2-40B4-BE49-F238E27FC236}">
+                <a16:creationId xmlns:a16="http://schemas.microsoft.com/office/drawing/2014/main" id="{DB1800CE-0B31-28B6-5D27-5EC33A50A18E}"/>
+              </a:ext>
+            </a:extLst>
+          </p:cNvPr>
+          <p:cNvSpPr txBox="1"/>
+          <p:nvPr/>
+        </p:nvSpPr>
+        <p:spPr>
+          <a:xfrm>
+            <a:off x="317795" y="2566741"/>
+            <a:ext cx="11556410" cy="1230593"/>
+          </a:xfrm>
+          <a:prstGeom prst="rect">
+            <a:avLst/>
+          </a:prstGeom>
+          <a:noFill/>
+        </p:spPr>
+        <p:txBody>
+          <a:bodyPr wrap="square" rtlCol="0">
+            <a:spAutoFit/>
+          </a:bodyPr>
+          <a:lstStyle/>
+          <a:p>
+            <a:pPr marL="457200" indent="-457200">
+              <a:lnSpc>
+                <a:spcPct val="150000"/>
+              </a:lnSpc>
+              <a:buFont typeface="Arial" panose="020B0604020202020204" pitchFamily="34" charset="0"/>
+              <a:buChar char="•"/>
+            </a:pPr>
+            <a:r>
+              <a:rPr lang="en-US" sz="2600" dirty="0"/>
+              <a:t>We added 2 new sales, made by the new customer.</a:t>
+            </a:r>
+          </a:p>
+          <a:p>
+            <a:pPr marL="457200" indent="-457200">
+              <a:lnSpc>
+                <a:spcPct val="150000"/>
+              </a:lnSpc>
+              <a:buFont typeface="Arial" panose="020B0604020202020204" pitchFamily="34" charset="0"/>
+              <a:buChar char="•"/>
+            </a:pPr>
+            <a:r>
+              <a:rPr lang="en-US" sz="2600" dirty="0"/>
+              <a:t>The new sales can be loaded on the </a:t>
+            </a:r>
+            <a:r>
+              <a:rPr lang="en-US" sz="2600" dirty="0" err="1"/>
+              <a:t>FactSales</a:t>
+            </a:r>
+            <a:r>
+              <a:rPr lang="en-US" sz="2600" dirty="0"/>
+              <a:t> table.</a:t>
+            </a:r>
+          </a:p>
+        </p:txBody>
+      </p:sp>
       <p:pic>
         <p:nvPicPr>
-          <p:cNvPr id="7" name="Εικόνα 6">
-            <a:extLst>
-              <a:ext uri="{FF2B5EF4-FFF2-40B4-BE49-F238E27FC236}">
-                <a16:creationId xmlns:a16="http://schemas.microsoft.com/office/drawing/2014/main" id="{2ECE1836-E4B1-BB2E-4394-C659AD3D0D8D}"/>
+          <p:cNvPr id="4" name="Εικόνα 3">
+            <a:extLst>
+              <a:ext uri="{FF2B5EF4-FFF2-40B4-BE49-F238E27FC236}">
+                <a16:creationId xmlns:a16="http://schemas.microsoft.com/office/drawing/2014/main" id="{AFA5B186-8731-9AC0-AA89-07B9CC5C5509}"/>
               </a:ext>
             </a:extLst>
           </p:cNvPr>
@@ -5513,524 +7430,25 @@
           <p:nvPr/>
         </p:nvPicPr>
         <p:blipFill>
-          <a:blip r:embed="rId3">
-            <a:extLst>
-              <a:ext uri="{28A0092B-C50C-407E-A947-70E740481C1C}">
-                <a14:useLocalDpi xmlns:a14="http://schemas.microsoft.com/office/drawing/2010/main" val="0"/>
-              </a:ext>
-            </a:extLst>
-          </a:blip>
+          <a:blip r:embed="rId3"/>
           <a:stretch>
             <a:fillRect/>
           </a:stretch>
         </p:blipFill>
         <p:spPr>
           <a:xfrm>
-            <a:off x="2397145" y="2169041"/>
-            <a:ext cx="7397709" cy="4146864"/>
+            <a:off x="838200" y="4673386"/>
+            <a:ext cx="9363075" cy="771525"/>
           </a:xfrm>
           <a:prstGeom prst="rect">
             <a:avLst/>
           </a:prstGeom>
         </p:spPr>
       </p:pic>
-      <p:sp>
-        <p:nvSpPr>
-          <p:cNvPr id="8" name="TextBox 7">
-            <a:extLst>
-              <a:ext uri="{FF2B5EF4-FFF2-40B4-BE49-F238E27FC236}">
-                <a16:creationId xmlns:a16="http://schemas.microsoft.com/office/drawing/2014/main" id="{B6F7B0F5-9505-A06C-77E9-04A578075597}"/>
-              </a:ext>
-            </a:extLst>
-          </p:cNvPr>
-          <p:cNvSpPr txBox="1"/>
-          <p:nvPr/>
-        </p:nvSpPr>
-        <p:spPr>
-          <a:xfrm>
-            <a:off x="0" y="2264735"/>
-            <a:ext cx="1839433" cy="646331"/>
-          </a:xfrm>
-          <a:prstGeom prst="rect">
-            <a:avLst/>
-          </a:prstGeom>
-          <a:noFill/>
-        </p:spPr>
-        <p:txBody>
-          <a:bodyPr wrap="square" rtlCol="0">
-            <a:spAutoFit/>
-          </a:bodyPr>
-          <a:lstStyle/>
-          <a:p>
-            <a:r>
-              <a:rPr lang="en-US" b="1" dirty="0"/>
-              <a:t>Map</a:t>
-            </a:r>
-            <a:endParaRPr lang="en-US" dirty="0"/>
-          </a:p>
-          <a:p>
-            <a:r>
-              <a:rPr lang="en-US" dirty="0"/>
-              <a:t>Bubble Size: Sales</a:t>
-            </a:r>
-            <a:endParaRPr lang="el-GR" dirty="0"/>
-          </a:p>
-        </p:txBody>
-      </p:sp>
-      <p:sp>
-        <p:nvSpPr>
-          <p:cNvPr id="9" name="TextBox 8">
-            <a:extLst>
-              <a:ext uri="{FF2B5EF4-FFF2-40B4-BE49-F238E27FC236}">
-                <a16:creationId xmlns:a16="http://schemas.microsoft.com/office/drawing/2014/main" id="{EDB9FCD3-7796-4974-42F7-9CD3AEF54DE3}"/>
-              </a:ext>
-            </a:extLst>
-          </p:cNvPr>
-          <p:cNvSpPr txBox="1"/>
-          <p:nvPr/>
-        </p:nvSpPr>
-        <p:spPr>
-          <a:xfrm>
-            <a:off x="441888" y="4229144"/>
-            <a:ext cx="1839433" cy="369332"/>
-          </a:xfrm>
-          <a:prstGeom prst="rect">
-            <a:avLst/>
-          </a:prstGeom>
-          <a:noFill/>
-        </p:spPr>
-        <p:txBody>
-          <a:bodyPr wrap="square" rtlCol="0">
-            <a:spAutoFit/>
-          </a:bodyPr>
-          <a:lstStyle/>
-          <a:p>
-            <a:r>
-              <a:rPr lang="en-US" dirty="0"/>
-              <a:t>Year </a:t>
-            </a:r>
-            <a:r>
-              <a:rPr lang="en-US" b="1" dirty="0"/>
-              <a:t>Slicer</a:t>
-            </a:r>
-            <a:endParaRPr lang="el-GR" b="1" dirty="0"/>
-          </a:p>
-        </p:txBody>
-      </p:sp>
-      <p:sp>
-        <p:nvSpPr>
-          <p:cNvPr id="10" name="TextBox 9">
-            <a:extLst>
-              <a:ext uri="{FF2B5EF4-FFF2-40B4-BE49-F238E27FC236}">
-                <a16:creationId xmlns:a16="http://schemas.microsoft.com/office/drawing/2014/main" id="{61275850-4570-BC8E-8768-C0F33879CF84}"/>
-              </a:ext>
-            </a:extLst>
-          </p:cNvPr>
-          <p:cNvSpPr txBox="1"/>
-          <p:nvPr/>
-        </p:nvSpPr>
-        <p:spPr>
-          <a:xfrm>
-            <a:off x="4561367" y="6424925"/>
-            <a:ext cx="1913861" cy="369332"/>
-          </a:xfrm>
-          <a:prstGeom prst="rect">
-            <a:avLst/>
-          </a:prstGeom>
-          <a:noFill/>
-        </p:spPr>
-        <p:txBody>
-          <a:bodyPr wrap="square" rtlCol="0">
-            <a:spAutoFit/>
-          </a:bodyPr>
-          <a:lstStyle/>
-          <a:p>
-            <a:r>
-              <a:rPr lang="en-US" dirty="0"/>
-              <a:t>Sales </a:t>
-            </a:r>
-            <a:r>
-              <a:rPr lang="en-US" b="1" dirty="0"/>
-              <a:t>Line Chart</a:t>
-            </a:r>
-            <a:endParaRPr lang="el-GR" b="1" dirty="0"/>
-          </a:p>
-        </p:txBody>
-      </p:sp>
-      <p:sp>
-        <p:nvSpPr>
-          <p:cNvPr id="11" name="TextBox 10">
-            <a:extLst>
-              <a:ext uri="{FF2B5EF4-FFF2-40B4-BE49-F238E27FC236}">
-                <a16:creationId xmlns:a16="http://schemas.microsoft.com/office/drawing/2014/main" id="{E4456FF1-E053-43A2-D27F-D118CAA32197}"/>
-              </a:ext>
-            </a:extLst>
-          </p:cNvPr>
-          <p:cNvSpPr txBox="1"/>
-          <p:nvPr/>
-        </p:nvSpPr>
-        <p:spPr>
-          <a:xfrm>
-            <a:off x="10118650" y="2055812"/>
-            <a:ext cx="2073350" cy="369332"/>
-          </a:xfrm>
-          <a:prstGeom prst="rect">
-            <a:avLst/>
-          </a:prstGeom>
-          <a:noFill/>
-        </p:spPr>
-        <p:txBody>
-          <a:bodyPr wrap="square" rtlCol="0">
-            <a:spAutoFit/>
-          </a:bodyPr>
-          <a:lstStyle/>
-          <a:p>
-            <a:r>
-              <a:rPr lang="en-US" b="1" dirty="0"/>
-              <a:t>Multi-Row Card</a:t>
-            </a:r>
-            <a:endParaRPr lang="el-GR" b="1" dirty="0"/>
-          </a:p>
-        </p:txBody>
-      </p:sp>
-      <p:sp>
-        <p:nvSpPr>
-          <p:cNvPr id="12" name="TextBox 11">
-            <a:extLst>
-              <a:ext uri="{FF2B5EF4-FFF2-40B4-BE49-F238E27FC236}">
-                <a16:creationId xmlns:a16="http://schemas.microsoft.com/office/drawing/2014/main" id="{158C0541-6EDE-7053-3177-80708264B7C7}"/>
-              </a:ext>
-            </a:extLst>
-          </p:cNvPr>
-          <p:cNvSpPr txBox="1"/>
-          <p:nvPr/>
-        </p:nvSpPr>
-        <p:spPr>
-          <a:xfrm>
-            <a:off x="10366744" y="3264195"/>
-            <a:ext cx="1562986" cy="646331"/>
-          </a:xfrm>
-          <a:prstGeom prst="rect">
-            <a:avLst/>
-          </a:prstGeom>
-          <a:noFill/>
-        </p:spPr>
-        <p:txBody>
-          <a:bodyPr wrap="square" rtlCol="0">
-            <a:spAutoFit/>
-          </a:bodyPr>
-          <a:lstStyle/>
-          <a:p>
-            <a:r>
-              <a:rPr lang="en-US" dirty="0"/>
-              <a:t>Track Sales </a:t>
-            </a:r>
-            <a:r>
-              <a:rPr lang="en-US" b="1" dirty="0"/>
-              <a:t>Table</a:t>
-            </a:r>
-            <a:endParaRPr lang="el-GR" b="1" dirty="0"/>
-          </a:p>
-        </p:txBody>
-      </p:sp>
-      <p:sp>
-        <p:nvSpPr>
-          <p:cNvPr id="13" name="TextBox 12">
-            <a:extLst>
-              <a:ext uri="{FF2B5EF4-FFF2-40B4-BE49-F238E27FC236}">
-                <a16:creationId xmlns:a16="http://schemas.microsoft.com/office/drawing/2014/main" id="{492FA999-D0D1-11EE-25ED-20C7F1E10C53}"/>
-              </a:ext>
-            </a:extLst>
-          </p:cNvPr>
-          <p:cNvSpPr txBox="1"/>
-          <p:nvPr/>
-        </p:nvSpPr>
-        <p:spPr>
-          <a:xfrm>
-            <a:off x="10118650" y="4887800"/>
-            <a:ext cx="2073350" cy="369332"/>
-          </a:xfrm>
-          <a:prstGeom prst="rect">
-            <a:avLst/>
-          </a:prstGeom>
-          <a:noFill/>
-        </p:spPr>
-        <p:txBody>
-          <a:bodyPr wrap="square" rtlCol="0">
-            <a:spAutoFit/>
-          </a:bodyPr>
-          <a:lstStyle/>
-          <a:p>
-            <a:r>
-              <a:rPr lang="en-US" b="1" dirty="0"/>
-              <a:t>Stacked Bar Chart</a:t>
-            </a:r>
-            <a:endParaRPr lang="el-GR" b="1" dirty="0"/>
-          </a:p>
-        </p:txBody>
-      </p:sp>
-      <p:cxnSp>
-        <p:nvCxnSpPr>
-          <p:cNvPr id="22" name="Γραμμή σύνδεσης: Γωνιώδης 21">
-            <a:extLst>
-              <a:ext uri="{FF2B5EF4-FFF2-40B4-BE49-F238E27FC236}">
-                <a16:creationId xmlns:a16="http://schemas.microsoft.com/office/drawing/2014/main" id="{F537E991-CCC9-2A83-D0BF-7833ED7490A3}"/>
-              </a:ext>
-            </a:extLst>
-          </p:cNvPr>
-          <p:cNvCxnSpPr>
-            <a:endCxn id="8" idx="2"/>
-          </p:cNvCxnSpPr>
-          <p:nvPr/>
-        </p:nvCxnSpPr>
-        <p:spPr>
-          <a:xfrm rot="10800000">
-            <a:off x="919717" y="2911067"/>
-            <a:ext cx="1477428" cy="353129"/>
-          </a:xfrm>
-          <a:prstGeom prst="bentConnector2">
-            <a:avLst/>
-          </a:prstGeom>
-          <a:ln>
-            <a:tailEnd type="triangle"/>
-          </a:ln>
-        </p:spPr>
-        <p:style>
-          <a:lnRef idx="3">
-            <a:schemeClr val="accent6"/>
-          </a:lnRef>
-          <a:fillRef idx="0">
-            <a:schemeClr val="accent6"/>
-          </a:fillRef>
-          <a:effectRef idx="2">
-            <a:schemeClr val="accent6"/>
-          </a:effectRef>
-          <a:fontRef idx="minor">
-            <a:schemeClr val="tx1"/>
-          </a:fontRef>
-        </p:style>
-      </p:cxnSp>
-      <p:cxnSp>
-        <p:nvCxnSpPr>
-          <p:cNvPr id="24" name="Γραμμή σύνδεσης: Γωνιώδης 23">
-            <a:extLst>
-              <a:ext uri="{FF2B5EF4-FFF2-40B4-BE49-F238E27FC236}">
-                <a16:creationId xmlns:a16="http://schemas.microsoft.com/office/drawing/2014/main" id="{FC21A67C-7254-25C0-71B4-CC0F846F2F45}"/>
-              </a:ext>
-            </a:extLst>
-          </p:cNvPr>
-          <p:cNvCxnSpPr>
-            <a:cxnSpLocks/>
-            <a:endCxn id="9" idx="2"/>
-          </p:cNvCxnSpPr>
-          <p:nvPr/>
-        </p:nvCxnSpPr>
-        <p:spPr>
-          <a:xfrm rot="10800000">
-            <a:off x="1361605" y="4598477"/>
-            <a:ext cx="1035540" cy="964947"/>
-          </a:xfrm>
-          <a:prstGeom prst="bentConnector2">
-            <a:avLst/>
-          </a:prstGeom>
-          <a:ln>
-            <a:tailEnd type="triangle"/>
-          </a:ln>
-        </p:spPr>
-        <p:style>
-          <a:lnRef idx="3">
-            <a:schemeClr val="accent6"/>
-          </a:lnRef>
-          <a:fillRef idx="0">
-            <a:schemeClr val="accent6"/>
-          </a:fillRef>
-          <a:effectRef idx="2">
-            <a:schemeClr val="accent6"/>
-          </a:effectRef>
-          <a:fontRef idx="minor">
-            <a:schemeClr val="tx1"/>
-          </a:fontRef>
-        </p:style>
-      </p:cxnSp>
-      <p:cxnSp>
-        <p:nvCxnSpPr>
-          <p:cNvPr id="32" name="Γραμμή σύνδεσης: Γωνιώδης 31">
-            <a:extLst>
-              <a:ext uri="{FF2B5EF4-FFF2-40B4-BE49-F238E27FC236}">
-                <a16:creationId xmlns:a16="http://schemas.microsoft.com/office/drawing/2014/main" id="{2F16807E-37F5-CF99-7E99-7343724F613B}"/>
-              </a:ext>
-            </a:extLst>
-          </p:cNvPr>
-          <p:cNvCxnSpPr>
-            <a:endCxn id="10" idx="1"/>
-          </p:cNvCxnSpPr>
-          <p:nvPr/>
-        </p:nvCxnSpPr>
-        <p:spPr>
-          <a:xfrm>
-            <a:off x="3934047" y="6315905"/>
-            <a:ext cx="627320" cy="293686"/>
-          </a:xfrm>
-          <a:prstGeom prst="bentConnector3">
-            <a:avLst>
-              <a:gd name="adj1" fmla="val 847"/>
-            </a:avLst>
-          </a:prstGeom>
-          <a:ln>
-            <a:solidFill>
-              <a:schemeClr val="accent6">
-                <a:lumMod val="75000"/>
-              </a:schemeClr>
-            </a:solidFill>
-            <a:tailEnd type="triangle"/>
-          </a:ln>
-        </p:spPr>
-        <p:style>
-          <a:lnRef idx="1">
-            <a:schemeClr val="accent1"/>
-          </a:lnRef>
-          <a:fillRef idx="0">
-            <a:schemeClr val="accent1"/>
-          </a:fillRef>
-          <a:effectRef idx="0">
-            <a:schemeClr val="accent1"/>
-          </a:effectRef>
-          <a:fontRef idx="minor">
-            <a:schemeClr val="tx1"/>
-          </a:fontRef>
-        </p:style>
-      </p:cxnSp>
-      <p:cxnSp>
-        <p:nvCxnSpPr>
-          <p:cNvPr id="35" name="Γραμμή σύνδεσης: Γωνιώδης 34">
-            <a:extLst>
-              <a:ext uri="{FF2B5EF4-FFF2-40B4-BE49-F238E27FC236}">
-                <a16:creationId xmlns:a16="http://schemas.microsoft.com/office/drawing/2014/main" id="{F34055FC-6EB6-BE99-1024-C5C032190E2A}"/>
-              </a:ext>
-            </a:extLst>
-          </p:cNvPr>
-          <p:cNvCxnSpPr>
-            <a:endCxn id="11" idx="2"/>
-          </p:cNvCxnSpPr>
-          <p:nvPr/>
-        </p:nvCxnSpPr>
-        <p:spPr>
-          <a:xfrm flipV="1">
-            <a:off x="9794854" y="2425144"/>
-            <a:ext cx="1360471" cy="162756"/>
-          </a:xfrm>
-          <a:prstGeom prst="bentConnector2">
-            <a:avLst/>
-          </a:prstGeom>
-          <a:ln>
-            <a:tailEnd type="triangle"/>
-          </a:ln>
-        </p:spPr>
-        <p:style>
-          <a:lnRef idx="3">
-            <a:schemeClr val="accent6"/>
-          </a:lnRef>
-          <a:fillRef idx="0">
-            <a:schemeClr val="accent6"/>
-          </a:fillRef>
-          <a:effectRef idx="2">
-            <a:schemeClr val="accent6"/>
-          </a:effectRef>
-          <a:fontRef idx="minor">
-            <a:schemeClr val="tx1"/>
-          </a:fontRef>
-        </p:style>
-      </p:cxnSp>
-      <p:cxnSp>
-        <p:nvCxnSpPr>
-          <p:cNvPr id="39" name="Γραμμή σύνδεσης: Γωνιώδης 38">
-            <a:extLst>
-              <a:ext uri="{FF2B5EF4-FFF2-40B4-BE49-F238E27FC236}">
-                <a16:creationId xmlns:a16="http://schemas.microsoft.com/office/drawing/2014/main" id="{58E7E2A0-B8CD-74B4-23D4-3C411D4901D5}"/>
-              </a:ext>
-            </a:extLst>
-          </p:cNvPr>
-          <p:cNvCxnSpPr>
-            <a:cxnSpLocks/>
-            <a:endCxn id="13" idx="2"/>
-          </p:cNvCxnSpPr>
-          <p:nvPr/>
-        </p:nvCxnSpPr>
-        <p:spPr>
-          <a:xfrm flipV="1">
-            <a:off x="9794854" y="5257132"/>
-            <a:ext cx="1360471" cy="495082"/>
-          </a:xfrm>
-          <a:prstGeom prst="bentConnector2">
-            <a:avLst/>
-          </a:prstGeom>
-          <a:ln>
-            <a:tailEnd type="triangle"/>
-          </a:ln>
-        </p:spPr>
-        <p:style>
-          <a:lnRef idx="3">
-            <a:schemeClr val="accent6"/>
-          </a:lnRef>
-          <a:fillRef idx="0">
-            <a:schemeClr val="accent6"/>
-          </a:fillRef>
-          <a:effectRef idx="2">
-            <a:schemeClr val="accent6"/>
-          </a:effectRef>
-          <a:fontRef idx="minor">
-            <a:schemeClr val="tx1"/>
-          </a:fontRef>
-        </p:style>
-      </p:cxnSp>
-      <p:cxnSp>
-        <p:nvCxnSpPr>
-          <p:cNvPr id="43" name="Γραμμή σύνδεσης: Γωνιώδης 42">
-            <a:extLst>
-              <a:ext uri="{FF2B5EF4-FFF2-40B4-BE49-F238E27FC236}">
-                <a16:creationId xmlns:a16="http://schemas.microsoft.com/office/drawing/2014/main" id="{661D6B55-51CF-4B4C-BB87-7F7C3B19D45B}"/>
-              </a:ext>
-            </a:extLst>
-          </p:cNvPr>
-          <p:cNvCxnSpPr>
-            <a:cxnSpLocks/>
-            <a:endCxn id="12" idx="1"/>
-          </p:cNvCxnSpPr>
-          <p:nvPr/>
-        </p:nvCxnSpPr>
-        <p:spPr>
-          <a:xfrm>
-            <a:off x="7432158" y="3494889"/>
-            <a:ext cx="2934586" cy="92472"/>
-          </a:xfrm>
-          <a:prstGeom prst="bentConnector3">
-            <a:avLst>
-              <a:gd name="adj1" fmla="val 87319"/>
-            </a:avLst>
-          </a:prstGeom>
-          <a:ln>
-            <a:tailEnd type="triangle"/>
-          </a:ln>
-        </p:spPr>
-        <p:style>
-          <a:lnRef idx="3">
-            <a:schemeClr val="accent6"/>
-          </a:lnRef>
-          <a:fillRef idx="0">
-            <a:schemeClr val="accent6"/>
-          </a:fillRef>
-          <a:effectRef idx="2">
-            <a:schemeClr val="accent6"/>
-          </a:effectRef>
-          <a:fontRef idx="minor">
-            <a:schemeClr val="tx1"/>
-          </a:fontRef>
-        </p:style>
-      </p:cxnSp>
     </p:spTree>
     <p:extLst>
       <p:ext uri="{BB962C8B-B14F-4D97-AF65-F5344CB8AC3E}">
-        <p14:creationId xmlns:p14="http://schemas.microsoft.com/office/powerpoint/2010/main" val="2561539057"/>
+        <p14:creationId xmlns:p14="http://schemas.microsoft.com/office/powerpoint/2010/main" val="2755472584"/>
       </p:ext>
     </p:extLst>
   </p:cSld>
@@ -6062,7 +7480,7 @@
           <p:cNvPr id="5" name="Θέση περιεχομένου 4">
             <a:extLst>
               <a:ext uri="{FF2B5EF4-FFF2-40B4-BE49-F238E27FC236}">
-                <a16:creationId xmlns:a16="http://schemas.microsoft.com/office/drawing/2014/main" id="{22C7D905-7A9F-64F8-6F01-91D209853765}"/>
+                <a16:creationId xmlns:a16="http://schemas.microsoft.com/office/drawing/2014/main" id="{20C56FB5-2EA5-31AF-282A-E584A1F1C2DF}"/>
               </a:ext>
             </a:extLst>
           </p:cNvPr>
@@ -6097,7 +7515,7 @@
           <p:cNvPr id="2" name="Τίτλος 1">
             <a:extLst>
               <a:ext uri="{FF2B5EF4-FFF2-40B4-BE49-F238E27FC236}">
-                <a16:creationId xmlns:a16="http://schemas.microsoft.com/office/drawing/2014/main" id="{2D44853D-6D00-8CB4-731C-0CCD33142D3F}"/>
+                <a16:creationId xmlns:a16="http://schemas.microsoft.com/office/drawing/2014/main" id="{5754D5A6-9B11-B144-E110-BBFF1E0F4A38}"/>
               </a:ext>
             </a:extLst>
           </p:cNvPr>
@@ -6128,7 +7546,7 @@
                 <a:latin typeface="Segoe UI" panose="020B0502040204020203" pitchFamily="34" charset="0"/>
                 <a:cs typeface="Segoe UI" panose="020B0502040204020203" pitchFamily="34" charset="0"/>
               </a:rPr>
-              <a:t>Power BI Genre Long Term Performance Dashboard</a:t>
+              <a:t>Visual Studio SSIS</a:t>
             </a:r>
             <a:endParaRPr lang="el-GR" b="1" dirty="0">
               <a:solidFill>
@@ -6147,355 +7565,12 @@
           </a:p>
         </p:txBody>
       </p:sp>
-      <p:sp>
-        <p:nvSpPr>
-          <p:cNvPr id="8" name="TextBox 7">
-            <a:extLst>
-              <a:ext uri="{FF2B5EF4-FFF2-40B4-BE49-F238E27FC236}">
-                <a16:creationId xmlns:a16="http://schemas.microsoft.com/office/drawing/2014/main" id="{3ADB23B1-31BF-3BCC-B7F5-A228616C1E2E}"/>
-              </a:ext>
-            </a:extLst>
-          </p:cNvPr>
-          <p:cNvSpPr txBox="1"/>
-          <p:nvPr/>
-        </p:nvSpPr>
-        <p:spPr>
-          <a:xfrm>
-            <a:off x="312006" y="2450799"/>
-            <a:ext cx="2179674" cy="923330"/>
-          </a:xfrm>
-          <a:prstGeom prst="rect">
-            <a:avLst/>
-          </a:prstGeom>
-          <a:noFill/>
-        </p:spPr>
-        <p:txBody>
-          <a:bodyPr wrap="square" rtlCol="0">
-            <a:spAutoFit/>
-          </a:bodyPr>
-          <a:lstStyle/>
-          <a:p>
-            <a:r>
-              <a:rPr lang="en-US" b="1" dirty="0"/>
-              <a:t>ANNUAL SALES PERFORMANCE CARDS</a:t>
-            </a:r>
-            <a:endParaRPr lang="el-GR" b="1" dirty="0"/>
-          </a:p>
-        </p:txBody>
-      </p:sp>
-      <p:cxnSp>
-        <p:nvCxnSpPr>
-          <p:cNvPr id="10" name="Ευθύγραμμο βέλος σύνδεσης 9">
-            <a:extLst>
-              <a:ext uri="{FF2B5EF4-FFF2-40B4-BE49-F238E27FC236}">
-                <a16:creationId xmlns:a16="http://schemas.microsoft.com/office/drawing/2014/main" id="{F4CCBDB0-0C75-5E1A-387E-9CF5662E7D29}"/>
-              </a:ext>
-            </a:extLst>
-          </p:cNvPr>
-          <p:cNvCxnSpPr>
-            <a:stCxn id="8" idx="2"/>
-          </p:cNvCxnSpPr>
-          <p:nvPr/>
-        </p:nvCxnSpPr>
-        <p:spPr>
-          <a:xfrm>
-            <a:off x="1401843" y="3374129"/>
-            <a:ext cx="1192501" cy="262206"/>
-          </a:xfrm>
-          <a:prstGeom prst="straightConnector1">
-            <a:avLst/>
-          </a:prstGeom>
-          <a:ln>
-            <a:tailEnd type="triangle"/>
-          </a:ln>
-        </p:spPr>
-        <p:style>
-          <a:lnRef idx="3">
-            <a:schemeClr val="accent6"/>
-          </a:lnRef>
-          <a:fillRef idx="0">
-            <a:schemeClr val="accent6"/>
-          </a:fillRef>
-          <a:effectRef idx="2">
-            <a:schemeClr val="accent6"/>
-          </a:effectRef>
-          <a:fontRef idx="minor">
-            <a:schemeClr val="tx1"/>
-          </a:fontRef>
-        </p:style>
-      </p:cxnSp>
-      <p:cxnSp>
-        <p:nvCxnSpPr>
-          <p:cNvPr id="12" name="Ευθύγραμμο βέλος σύνδεσης 11">
-            <a:extLst>
-              <a:ext uri="{FF2B5EF4-FFF2-40B4-BE49-F238E27FC236}">
-                <a16:creationId xmlns:a16="http://schemas.microsoft.com/office/drawing/2014/main" id="{0A0929B5-A09A-33BB-BB09-D8B205246A02}"/>
-              </a:ext>
-            </a:extLst>
-          </p:cNvPr>
-          <p:cNvCxnSpPr>
-            <a:stCxn id="8" idx="2"/>
-          </p:cNvCxnSpPr>
-          <p:nvPr/>
-        </p:nvCxnSpPr>
-        <p:spPr>
-          <a:xfrm>
-            <a:off x="1401843" y="3374129"/>
-            <a:ext cx="1213766" cy="954168"/>
-          </a:xfrm>
-          <a:prstGeom prst="straightConnector1">
-            <a:avLst/>
-          </a:prstGeom>
-          <a:ln>
-            <a:tailEnd type="triangle"/>
-          </a:ln>
-        </p:spPr>
-        <p:style>
-          <a:lnRef idx="3">
-            <a:schemeClr val="accent6"/>
-          </a:lnRef>
-          <a:fillRef idx="0">
-            <a:schemeClr val="accent6"/>
-          </a:fillRef>
-          <a:effectRef idx="2">
-            <a:schemeClr val="accent6"/>
-          </a:effectRef>
-          <a:fontRef idx="minor">
-            <a:schemeClr val="tx1"/>
-          </a:fontRef>
-        </p:style>
-      </p:cxnSp>
-      <p:cxnSp>
-        <p:nvCxnSpPr>
-          <p:cNvPr id="14" name="Ευθύγραμμο βέλος σύνδεσης 13">
-            <a:extLst>
-              <a:ext uri="{FF2B5EF4-FFF2-40B4-BE49-F238E27FC236}">
-                <a16:creationId xmlns:a16="http://schemas.microsoft.com/office/drawing/2014/main" id="{3D2C8AB6-BFF7-9552-B184-8C11D50A3C74}"/>
-              </a:ext>
-            </a:extLst>
-          </p:cNvPr>
-          <p:cNvCxnSpPr>
-            <a:stCxn id="8" idx="2"/>
-          </p:cNvCxnSpPr>
-          <p:nvPr/>
-        </p:nvCxnSpPr>
-        <p:spPr>
-          <a:xfrm>
-            <a:off x="1401843" y="3374129"/>
-            <a:ext cx="1192501" cy="1846457"/>
-          </a:xfrm>
-          <a:prstGeom prst="straightConnector1">
-            <a:avLst/>
-          </a:prstGeom>
-          <a:ln>
-            <a:tailEnd type="triangle"/>
-          </a:ln>
-        </p:spPr>
-        <p:style>
-          <a:lnRef idx="3">
-            <a:schemeClr val="accent6"/>
-          </a:lnRef>
-          <a:fillRef idx="0">
-            <a:schemeClr val="accent6"/>
-          </a:fillRef>
-          <a:effectRef idx="2">
-            <a:schemeClr val="accent6"/>
-          </a:effectRef>
-          <a:fontRef idx="minor">
-            <a:schemeClr val="tx1"/>
-          </a:fontRef>
-        </p:style>
-      </p:cxnSp>
-      <p:cxnSp>
-        <p:nvCxnSpPr>
-          <p:cNvPr id="16" name="Ευθύγραμμο βέλος σύνδεσης 15">
-            <a:extLst>
-              <a:ext uri="{FF2B5EF4-FFF2-40B4-BE49-F238E27FC236}">
-                <a16:creationId xmlns:a16="http://schemas.microsoft.com/office/drawing/2014/main" id="{F374AF8F-2217-9194-F8E5-1311DC7EB1CD}"/>
-              </a:ext>
-            </a:extLst>
-          </p:cNvPr>
-          <p:cNvCxnSpPr>
-            <a:stCxn id="8" idx="2"/>
-          </p:cNvCxnSpPr>
-          <p:nvPr/>
-        </p:nvCxnSpPr>
-        <p:spPr>
-          <a:xfrm>
-            <a:off x="1401843" y="3374129"/>
-            <a:ext cx="1192501" cy="2601369"/>
-          </a:xfrm>
-          <a:prstGeom prst="straightConnector1">
-            <a:avLst/>
-          </a:prstGeom>
-          <a:ln>
-            <a:tailEnd type="triangle"/>
-          </a:ln>
-        </p:spPr>
-        <p:style>
-          <a:lnRef idx="3">
-            <a:schemeClr val="accent6"/>
-          </a:lnRef>
-          <a:fillRef idx="0">
-            <a:schemeClr val="accent6"/>
-          </a:fillRef>
-          <a:effectRef idx="2">
-            <a:schemeClr val="accent6"/>
-          </a:effectRef>
-          <a:fontRef idx="minor">
-            <a:schemeClr val="tx1"/>
-          </a:fontRef>
-        </p:style>
-      </p:cxnSp>
-      <p:sp>
-        <p:nvSpPr>
-          <p:cNvPr id="19" name="TextBox 18">
-            <a:extLst>
-              <a:ext uri="{FF2B5EF4-FFF2-40B4-BE49-F238E27FC236}">
-                <a16:creationId xmlns:a16="http://schemas.microsoft.com/office/drawing/2014/main" id="{66DA6469-7AAC-6B12-14DC-1338DA69B7A7}"/>
-              </a:ext>
-            </a:extLst>
-          </p:cNvPr>
-          <p:cNvSpPr txBox="1"/>
-          <p:nvPr/>
-        </p:nvSpPr>
-        <p:spPr>
-          <a:xfrm>
-            <a:off x="142628" y="5648143"/>
-            <a:ext cx="2374722" cy="646331"/>
-          </a:xfrm>
-          <a:prstGeom prst="rect">
-            <a:avLst/>
-          </a:prstGeom>
-          <a:noFill/>
-        </p:spPr>
-        <p:txBody>
-          <a:bodyPr wrap="square" rtlCol="0">
-            <a:spAutoFit/>
-          </a:bodyPr>
-          <a:lstStyle/>
-          <a:p>
-            <a:r>
-              <a:rPr lang="en-US" b="1" dirty="0">
-                <a:solidFill>
-                  <a:schemeClr val="accent6">
-                    <a:lumMod val="75000"/>
-                  </a:schemeClr>
-                </a:solidFill>
-              </a:rPr>
-              <a:t>Green</a:t>
-            </a:r>
-            <a:r>
-              <a:rPr lang="en-US" dirty="0"/>
-              <a:t>: Sales Increase</a:t>
-            </a:r>
-          </a:p>
-          <a:p>
-            <a:r>
-              <a:rPr lang="en-US" b="1" dirty="0">
-                <a:solidFill>
-                  <a:schemeClr val="accent2">
-                    <a:lumMod val="50000"/>
-                  </a:schemeClr>
-                </a:solidFill>
-              </a:rPr>
-              <a:t>Red</a:t>
-            </a:r>
-            <a:r>
-              <a:rPr lang="en-US" dirty="0"/>
-              <a:t>: Sales Decrease</a:t>
-            </a:r>
-            <a:endParaRPr lang="el-GR" dirty="0"/>
-          </a:p>
-        </p:txBody>
-      </p:sp>
-      <p:sp>
-        <p:nvSpPr>
-          <p:cNvPr id="20" name="TextBox 19">
-            <a:extLst>
-              <a:ext uri="{FF2B5EF4-FFF2-40B4-BE49-F238E27FC236}">
-                <a16:creationId xmlns:a16="http://schemas.microsoft.com/office/drawing/2014/main" id="{BF79E195-5031-618F-F507-6595FA101AB6}"/>
-              </a:ext>
-            </a:extLst>
-          </p:cNvPr>
-          <p:cNvSpPr txBox="1"/>
-          <p:nvPr/>
-        </p:nvSpPr>
-        <p:spPr>
-          <a:xfrm>
-            <a:off x="9674649" y="3626095"/>
-            <a:ext cx="2360428" cy="369332"/>
-          </a:xfrm>
-          <a:prstGeom prst="rect">
-            <a:avLst/>
-          </a:prstGeom>
-          <a:noFill/>
-        </p:spPr>
-        <p:txBody>
-          <a:bodyPr wrap="square" rtlCol="0">
-            <a:spAutoFit/>
-          </a:bodyPr>
-          <a:lstStyle/>
-          <a:p>
-            <a:r>
-              <a:rPr lang="en-US" dirty="0"/>
-              <a:t>Genre Sales </a:t>
-            </a:r>
-            <a:r>
-              <a:rPr lang="en-US" b="1" dirty="0"/>
-              <a:t>Line Chart</a:t>
-            </a:r>
-            <a:endParaRPr lang="el-GR" b="1" dirty="0"/>
-          </a:p>
-        </p:txBody>
-      </p:sp>
-      <p:cxnSp>
-        <p:nvCxnSpPr>
-          <p:cNvPr id="22" name="Ευθύγραμμο βέλος σύνδεσης 21">
-            <a:extLst>
-              <a:ext uri="{FF2B5EF4-FFF2-40B4-BE49-F238E27FC236}">
-                <a16:creationId xmlns:a16="http://schemas.microsoft.com/office/drawing/2014/main" id="{16504076-4C1E-53B0-43D0-1F9C7CA3F2FA}"/>
-              </a:ext>
-            </a:extLst>
-          </p:cNvPr>
-          <p:cNvCxnSpPr>
-            <a:stCxn id="20" idx="2"/>
-          </p:cNvCxnSpPr>
-          <p:nvPr/>
-        </p:nvCxnSpPr>
-        <p:spPr>
-          <a:xfrm flipH="1">
-            <a:off x="9432681" y="3995427"/>
-            <a:ext cx="1422182" cy="679386"/>
-          </a:xfrm>
-          <a:prstGeom prst="straightConnector1">
-            <a:avLst/>
-          </a:prstGeom>
-          <a:ln>
-            <a:tailEnd type="triangle"/>
-          </a:ln>
-        </p:spPr>
-        <p:style>
-          <a:lnRef idx="3">
-            <a:schemeClr val="accent6"/>
-          </a:lnRef>
-          <a:fillRef idx="0">
-            <a:schemeClr val="accent6"/>
-          </a:fillRef>
-          <a:effectRef idx="2">
-            <a:schemeClr val="accent6"/>
-          </a:effectRef>
-          <a:fontRef idx="minor">
-            <a:schemeClr val="tx1"/>
-          </a:fontRef>
-        </p:style>
-      </p:cxnSp>
       <p:pic>
         <p:nvPicPr>
-          <p:cNvPr id="4" name="Εικόνα 3">
-            <a:extLst>
-              <a:ext uri="{FF2B5EF4-FFF2-40B4-BE49-F238E27FC236}">
-                <a16:creationId xmlns:a16="http://schemas.microsoft.com/office/drawing/2014/main" id="{E192F20C-7FFC-2F53-0621-7E3468244B55}"/>
+          <p:cNvPr id="9" name="Εικόνα 8">
+            <a:extLst>
+              <a:ext uri="{FF2B5EF4-FFF2-40B4-BE49-F238E27FC236}">
+                <a16:creationId xmlns:a16="http://schemas.microsoft.com/office/drawing/2014/main" id="{8FB351C5-4451-A800-B60F-C91036AFD0BE}"/>
               </a:ext>
             </a:extLst>
           </p:cNvPr>
@@ -6518,8 +7593,8 @@
         </p:blipFill>
         <p:spPr>
           <a:xfrm>
-            <a:off x="2759318" y="2574847"/>
-            <a:ext cx="6614984" cy="3722153"/>
+            <a:off x="3637245" y="1690688"/>
+            <a:ext cx="4917509" cy="5130098"/>
           </a:xfrm>
           <a:prstGeom prst="rect">
             <a:avLst/>
@@ -6529,7 +7604,7 @@
     </p:spTree>
     <p:extLst>
       <p:ext uri="{BB962C8B-B14F-4D97-AF65-F5344CB8AC3E}">
-        <p14:creationId xmlns:p14="http://schemas.microsoft.com/office/powerpoint/2010/main" val="3954393152"/>
+        <p14:creationId xmlns:p14="http://schemas.microsoft.com/office/powerpoint/2010/main" val="2510256376"/>
       </p:ext>
     </p:extLst>
   </p:cSld>
@@ -6558,17 +7633,19 @@
       </p:grpSpPr>
       <p:pic>
         <p:nvPicPr>
-          <p:cNvPr id="4" name="Εικόνα 3">
-            <a:extLst>
-              <a:ext uri="{FF2B5EF4-FFF2-40B4-BE49-F238E27FC236}">
-                <a16:creationId xmlns:a16="http://schemas.microsoft.com/office/drawing/2014/main" id="{0500C82A-40BB-654C-18A7-F8B2E260DB08}"/>
+          <p:cNvPr id="5" name="Θέση περιεχομένου 4">
+            <a:extLst>
+              <a:ext uri="{FF2B5EF4-FFF2-40B4-BE49-F238E27FC236}">
+                <a16:creationId xmlns:a16="http://schemas.microsoft.com/office/drawing/2014/main" id="{2C2A562D-E334-5C75-94AB-51ECF4A69037}"/>
               </a:ext>
             </a:extLst>
           </p:cNvPr>
           <p:cNvPicPr>
-            <a:picLocks noChangeAspect="1"/>
+            <a:picLocks noGrp="1" noChangeAspect="1"/>
           </p:cNvPicPr>
-          <p:nvPr/>
+          <p:nvPr>
+            <p:ph idx="1"/>
+          </p:nvPr>
         </p:nvPicPr>
         <p:blipFill>
           <a:blip r:embed="rId2">
@@ -6584,44 +7661,6 @@
         </p:blipFill>
         <p:spPr>
           <a:xfrm>
-            <a:off x="1" y="2754083"/>
-            <a:ext cx="6135288" cy="3434065"/>
-          </a:xfrm>
-          <a:prstGeom prst="rect">
-            <a:avLst/>
-          </a:prstGeom>
-        </p:spPr>
-      </p:pic>
-      <p:pic>
-        <p:nvPicPr>
-          <p:cNvPr id="5" name="Θέση περιεχομένου 4">
-            <a:extLst>
-              <a:ext uri="{FF2B5EF4-FFF2-40B4-BE49-F238E27FC236}">
-                <a16:creationId xmlns:a16="http://schemas.microsoft.com/office/drawing/2014/main" id="{22C7D905-7A9F-64F8-6F01-91D209853765}"/>
-              </a:ext>
-            </a:extLst>
-          </p:cNvPr>
-          <p:cNvPicPr>
-            <a:picLocks noGrp="1" noChangeAspect="1"/>
-          </p:cNvPicPr>
-          <p:nvPr>
-            <p:ph idx="1"/>
-          </p:nvPr>
-        </p:nvPicPr>
-        <p:blipFill>
-          <a:blip r:embed="rId3">
-            <a:extLst>
-              <a:ext uri="{28A0092B-C50C-407E-A947-70E740481C1C}">
-                <a14:useLocalDpi xmlns:a14="http://schemas.microsoft.com/office/drawing/2010/main" val="0"/>
-              </a:ext>
-            </a:extLst>
-          </a:blip>
-          <a:stretch>
-            <a:fillRect/>
-          </a:stretch>
-        </p:blipFill>
-        <p:spPr>
-          <a:xfrm>
             <a:off x="0" y="1"/>
             <a:ext cx="12192000" cy="1690688"/>
           </a:xfrm>
@@ -6632,7 +7671,7 @@
           <p:cNvPr id="2" name="Τίτλος 1">
             <a:extLst>
               <a:ext uri="{FF2B5EF4-FFF2-40B4-BE49-F238E27FC236}">
-                <a16:creationId xmlns:a16="http://schemas.microsoft.com/office/drawing/2014/main" id="{2D44853D-6D00-8CB4-731C-0CCD33142D3F}"/>
+                <a16:creationId xmlns:a16="http://schemas.microsoft.com/office/drawing/2014/main" id="{9647651E-D335-DC6A-69A8-11C9882C9E64}"/>
               </a:ext>
             </a:extLst>
           </p:cNvPr>
@@ -6663,7 +7702,7 @@
                 <a:latin typeface="Segoe UI" panose="020B0502040204020203" pitchFamily="34" charset="0"/>
                 <a:cs typeface="Segoe UI" panose="020B0502040204020203" pitchFamily="34" charset="0"/>
               </a:rPr>
-              <a:t>Power BI Genre Long Term Performance Dashboard</a:t>
+              <a:t>SSAS Tabular Model</a:t>
             </a:r>
             <a:endParaRPr lang="el-GR" b="1" dirty="0">
               <a:solidFill>
@@ -6682,243 +7721,10 @@
           </a:p>
         </p:txBody>
       </p:sp>
-      <p:sp>
-        <p:nvSpPr>
-          <p:cNvPr id="9" name="Οβάλ 8">
-            <a:extLst>
-              <a:ext uri="{FF2B5EF4-FFF2-40B4-BE49-F238E27FC236}">
-                <a16:creationId xmlns:a16="http://schemas.microsoft.com/office/drawing/2014/main" id="{7346C473-69A8-4BEE-543B-116C08900CDA}"/>
-              </a:ext>
-            </a:extLst>
-          </p:cNvPr>
-          <p:cNvSpPr/>
-          <p:nvPr/>
-        </p:nvSpPr>
-        <p:spPr>
-          <a:xfrm>
-            <a:off x="3664454" y="3632938"/>
-            <a:ext cx="673629" cy="2555211"/>
-          </a:xfrm>
-          <a:prstGeom prst="ellipse">
-            <a:avLst/>
-          </a:prstGeom>
-          <a:noFill/>
-          <a:ln w="28575">
-            <a:solidFill>
-              <a:srgbClr val="FF0000"/>
-            </a:solidFill>
-            <a:prstDash val="dash"/>
-          </a:ln>
-        </p:spPr>
-        <p:style>
-          <a:lnRef idx="2">
-            <a:schemeClr val="accent1">
-              <a:shade val="15000"/>
-            </a:schemeClr>
-          </a:lnRef>
-          <a:fillRef idx="1">
-            <a:schemeClr val="accent1"/>
-          </a:fillRef>
-          <a:effectRef idx="0">
-            <a:schemeClr val="accent1"/>
-          </a:effectRef>
-          <a:fontRef idx="minor">
-            <a:schemeClr val="lt1"/>
-          </a:fontRef>
-        </p:style>
-        <p:txBody>
-          <a:bodyPr rtlCol="0" anchor="ctr"/>
-          <a:lstStyle/>
-          <a:p>
-            <a:pPr algn="ctr"/>
-            <a:endParaRPr lang="el-GR"/>
-          </a:p>
-        </p:txBody>
-      </p:sp>
-      <p:cxnSp>
-        <p:nvCxnSpPr>
-          <p:cNvPr id="11" name="Ευθύγραμμο βέλος σύνδεσης 10">
-            <a:extLst>
-              <a:ext uri="{FF2B5EF4-FFF2-40B4-BE49-F238E27FC236}">
-                <a16:creationId xmlns:a16="http://schemas.microsoft.com/office/drawing/2014/main" id="{3CE6E92D-E1F6-DCCD-E73F-D12F6D3FA43D}"/>
-              </a:ext>
-            </a:extLst>
-          </p:cNvPr>
-          <p:cNvCxnSpPr>
-            <a:cxnSpLocks/>
-          </p:cNvCxnSpPr>
-          <p:nvPr/>
-        </p:nvCxnSpPr>
-        <p:spPr>
-          <a:xfrm>
-            <a:off x="1435396" y="4471116"/>
-            <a:ext cx="2229058" cy="439427"/>
-          </a:xfrm>
-          <a:prstGeom prst="straightConnector1">
-            <a:avLst/>
-          </a:prstGeom>
-          <a:ln w="19050">
-            <a:solidFill>
-              <a:srgbClr val="FF0000"/>
-            </a:solidFill>
-            <a:prstDash val="dash"/>
-            <a:headEnd type="arrow" w="med" len="med"/>
-            <a:tailEnd type="arrow" w="med" len="med"/>
-          </a:ln>
-        </p:spPr>
-        <p:style>
-          <a:lnRef idx="1">
-            <a:schemeClr val="accent1"/>
-          </a:lnRef>
-          <a:fillRef idx="0">
-            <a:schemeClr val="accent1"/>
-          </a:fillRef>
-          <a:effectRef idx="0">
-            <a:schemeClr val="accent1"/>
-          </a:effectRef>
-          <a:fontRef idx="minor">
-            <a:schemeClr val="tx1"/>
-          </a:fontRef>
-        </p:style>
-      </p:cxnSp>
-      <p:sp>
-        <p:nvSpPr>
-          <p:cNvPr id="16" name="TextBox 15">
-            <a:extLst>
-              <a:ext uri="{FF2B5EF4-FFF2-40B4-BE49-F238E27FC236}">
-                <a16:creationId xmlns:a16="http://schemas.microsoft.com/office/drawing/2014/main" id="{05090572-DDB2-D101-C5B2-61E0FDA15563}"/>
-              </a:ext>
-            </a:extLst>
-          </p:cNvPr>
-          <p:cNvSpPr txBox="1"/>
-          <p:nvPr/>
-        </p:nvSpPr>
-        <p:spPr>
-          <a:xfrm>
-            <a:off x="1307805" y="1913860"/>
-            <a:ext cx="10045995" cy="369332"/>
-          </a:xfrm>
-          <a:prstGeom prst="rect">
-            <a:avLst/>
-          </a:prstGeom>
-          <a:noFill/>
-        </p:spPr>
-        <p:txBody>
-          <a:bodyPr wrap="square" rtlCol="0">
-            <a:spAutoFit/>
-          </a:bodyPr>
-          <a:lstStyle/>
-          <a:p>
-            <a:r>
-              <a:rPr lang="en-US" dirty="0"/>
-              <a:t>The sales progression of </a:t>
-            </a:r>
-            <a:r>
-              <a:rPr lang="en-US" b="1" dirty="0"/>
-              <a:t>Rock</a:t>
-            </a:r>
-            <a:r>
-              <a:rPr lang="en-US" dirty="0"/>
-              <a:t> and </a:t>
-            </a:r>
-            <a:r>
-              <a:rPr lang="en-US" b="1" dirty="0"/>
-              <a:t>Metal</a:t>
-            </a:r>
-            <a:r>
-              <a:rPr lang="en-US" dirty="0"/>
-              <a:t> tracks, and their effect on total sales performance</a:t>
-            </a:r>
-            <a:endParaRPr lang="el-GR" dirty="0"/>
-          </a:p>
-        </p:txBody>
-      </p:sp>
-      <p:cxnSp>
-        <p:nvCxnSpPr>
-          <p:cNvPr id="22" name="Ευθύγραμμο βέλος σύνδεσης 21">
-            <a:extLst>
-              <a:ext uri="{FF2B5EF4-FFF2-40B4-BE49-F238E27FC236}">
-                <a16:creationId xmlns:a16="http://schemas.microsoft.com/office/drawing/2014/main" id="{A56AFBEE-E2D2-7D63-23C0-ED715A6AD325}"/>
-              </a:ext>
-            </a:extLst>
-          </p:cNvPr>
-          <p:cNvCxnSpPr>
-            <a:cxnSpLocks/>
-          </p:cNvCxnSpPr>
-          <p:nvPr/>
-        </p:nvCxnSpPr>
-        <p:spPr>
-          <a:xfrm flipV="1">
-            <a:off x="4338083" y="4471117"/>
-            <a:ext cx="1743290" cy="439426"/>
-          </a:xfrm>
-          <a:prstGeom prst="straightConnector1">
-            <a:avLst/>
-          </a:prstGeom>
-          <a:ln w="19050">
-            <a:solidFill>
-              <a:srgbClr val="FF0000"/>
-            </a:solidFill>
-            <a:prstDash val="dash"/>
-            <a:headEnd type="arrow" w="med" len="med"/>
-            <a:tailEnd type="arrow" w="med" len="med"/>
-          </a:ln>
-        </p:spPr>
-        <p:style>
-          <a:lnRef idx="1">
-            <a:schemeClr val="accent1"/>
-          </a:lnRef>
-          <a:fillRef idx="0">
-            <a:schemeClr val="accent1"/>
-          </a:fillRef>
-          <a:effectRef idx="0">
-            <a:schemeClr val="accent1"/>
-          </a:effectRef>
-          <a:fontRef idx="minor">
-            <a:schemeClr val="tx1"/>
-          </a:fontRef>
-        </p:style>
-      </p:cxnSp>
-      <p:pic>
-        <p:nvPicPr>
-          <p:cNvPr id="7" name="Εικόνα 6">
-            <a:extLst>
-              <a:ext uri="{FF2B5EF4-FFF2-40B4-BE49-F238E27FC236}">
-                <a16:creationId xmlns:a16="http://schemas.microsoft.com/office/drawing/2014/main" id="{1266DC84-C778-F120-D4D8-5EA07684C46E}"/>
-              </a:ext>
-            </a:extLst>
-          </p:cNvPr>
-          <p:cNvPicPr>
-            <a:picLocks noChangeAspect="1"/>
-          </p:cNvPicPr>
-          <p:nvPr/>
-        </p:nvPicPr>
-        <p:blipFill>
-          <a:blip r:embed="rId4">
-            <a:extLst>
-              <a:ext uri="{28A0092B-C50C-407E-A947-70E740481C1C}">
-                <a14:useLocalDpi xmlns:a14="http://schemas.microsoft.com/office/drawing/2010/main" val="0"/>
-              </a:ext>
-            </a:extLst>
-          </a:blip>
-          <a:stretch>
-            <a:fillRect/>
-          </a:stretch>
-        </p:blipFill>
-        <p:spPr>
-          <a:xfrm>
-            <a:off x="6112058" y="2754081"/>
-            <a:ext cx="6102997" cy="3434065"/>
-          </a:xfrm>
-          <a:prstGeom prst="rect">
-            <a:avLst/>
-          </a:prstGeom>
-        </p:spPr>
-      </p:pic>
     </p:spTree>
     <p:extLst>
       <p:ext uri="{BB962C8B-B14F-4D97-AF65-F5344CB8AC3E}">
-        <p14:creationId xmlns:p14="http://schemas.microsoft.com/office/powerpoint/2010/main" val="2054550697"/>
+        <p14:creationId xmlns:p14="http://schemas.microsoft.com/office/powerpoint/2010/main" val="2648205208"/>
       </p:ext>
     </p:extLst>
   </p:cSld>
@@ -6950,7 +7756,7 @@
           <p:cNvPr id="5" name="Θέση περιεχομένου 4">
             <a:extLst>
               <a:ext uri="{FF2B5EF4-FFF2-40B4-BE49-F238E27FC236}">
-                <a16:creationId xmlns:a16="http://schemas.microsoft.com/office/drawing/2014/main" id="{E259427A-814F-6947-3FB0-915DC926AC7F}"/>
+                <a16:creationId xmlns:a16="http://schemas.microsoft.com/office/drawing/2014/main" id="{78F6FD1C-D2DA-B34B-95C7-A2DC80D310DF}"/>
               </a:ext>
             </a:extLst>
           </p:cNvPr>
@@ -6985,7 +7791,7 @@
           <p:cNvPr id="2" name="Τίτλος 1">
             <a:extLst>
               <a:ext uri="{FF2B5EF4-FFF2-40B4-BE49-F238E27FC236}">
-                <a16:creationId xmlns:a16="http://schemas.microsoft.com/office/drawing/2014/main" id="{7374E76E-E5E6-AA1C-C71F-6EC549D6EE9B}"/>
+                <a16:creationId xmlns:a16="http://schemas.microsoft.com/office/drawing/2014/main" id="{2489DA6C-CE15-D804-639F-C87A27D4B327}"/>
               </a:ext>
             </a:extLst>
           </p:cNvPr>
@@ -7016,7 +7822,7 @@
                 <a:latin typeface="Segoe UI" panose="020B0502040204020203" pitchFamily="34" charset="0"/>
                 <a:cs typeface="Segoe UI" panose="020B0502040204020203" pitchFamily="34" charset="0"/>
               </a:rPr>
-              <a:t>Power BI Employee Long Term Performance</a:t>
+              <a:t>Power BI General Sales Dashboard</a:t>
             </a:r>
             <a:endParaRPr lang="el-GR" b="1" dirty="0">
               <a:solidFill>
@@ -7040,7 +7846,7 @@
           <p:cNvPr id="7" name="Εικόνα 6">
             <a:extLst>
               <a:ext uri="{FF2B5EF4-FFF2-40B4-BE49-F238E27FC236}">
-                <a16:creationId xmlns:a16="http://schemas.microsoft.com/office/drawing/2014/main" id="{4B7DA569-21AF-6D54-D07C-7FCD317DF790}"/>
+                <a16:creationId xmlns:a16="http://schemas.microsoft.com/office/drawing/2014/main" id="{2ECE1836-E4B1-BB2E-4394-C659AD3D0D8D}"/>
               </a:ext>
             </a:extLst>
           </p:cNvPr>
@@ -7063,8 +7869,8 @@
         </p:blipFill>
         <p:spPr>
           <a:xfrm>
-            <a:off x="2591990" y="2347323"/>
-            <a:ext cx="7008020" cy="3925886"/>
+            <a:off x="2397145" y="2169041"/>
+            <a:ext cx="7397709" cy="4146864"/>
           </a:xfrm>
           <a:prstGeom prst="rect">
             <a:avLst/>
@@ -7076,7 +7882,7 @@
           <p:cNvPr id="8" name="TextBox 7">
             <a:extLst>
               <a:ext uri="{FF2B5EF4-FFF2-40B4-BE49-F238E27FC236}">
-                <a16:creationId xmlns:a16="http://schemas.microsoft.com/office/drawing/2014/main" id="{3A8A0327-9C4E-1706-5493-D8F5CB7CEC29}"/>
+                <a16:creationId xmlns:a16="http://schemas.microsoft.com/office/drawing/2014/main" id="{B6F7B0F5-9505-A06C-77E9-04A578075597}"/>
               </a:ext>
             </a:extLst>
           </p:cNvPr>
@@ -7085,8 +7891,8 @@
         </p:nvSpPr>
         <p:spPr>
           <a:xfrm>
-            <a:off x="138223" y="4774019"/>
-            <a:ext cx="2211572" cy="369332"/>
+            <a:off x="0" y="2264735"/>
+            <a:ext cx="1839433" cy="646331"/>
           </a:xfrm>
           <a:prstGeom prst="rect">
             <a:avLst/>
@@ -7101,34 +7907,231 @@
           <a:p>
             <a:r>
               <a:rPr lang="en-US" b="1" dirty="0"/>
-              <a:t>Funnel</a:t>
-            </a:r>
+              <a:t>Map</a:t>
+            </a:r>
+            <a:endParaRPr lang="en-US" dirty="0"/>
+          </a:p>
+          <a:p>
             <a:r>
               <a:rPr lang="en-US" dirty="0"/>
-              <a:t> Chart</a:t>
+              <a:t>Bubble Size: Sales</a:t>
             </a:r>
             <a:endParaRPr lang="el-GR" dirty="0"/>
+          </a:p>
+        </p:txBody>
+      </p:sp>
+      <p:sp>
+        <p:nvSpPr>
+          <p:cNvPr id="9" name="TextBox 8">
+            <a:extLst>
+              <a:ext uri="{FF2B5EF4-FFF2-40B4-BE49-F238E27FC236}">
+                <a16:creationId xmlns:a16="http://schemas.microsoft.com/office/drawing/2014/main" id="{EDB9FCD3-7796-4974-42F7-9CD3AEF54DE3}"/>
+              </a:ext>
+            </a:extLst>
+          </p:cNvPr>
+          <p:cNvSpPr txBox="1"/>
+          <p:nvPr/>
+        </p:nvSpPr>
+        <p:spPr>
+          <a:xfrm>
+            <a:off x="441888" y="4229144"/>
+            <a:ext cx="1839433" cy="369332"/>
+          </a:xfrm>
+          <a:prstGeom prst="rect">
+            <a:avLst/>
+          </a:prstGeom>
+          <a:noFill/>
+        </p:spPr>
+        <p:txBody>
+          <a:bodyPr wrap="square" rtlCol="0">
+            <a:spAutoFit/>
+          </a:bodyPr>
+          <a:lstStyle/>
+          <a:p>
+            <a:r>
+              <a:rPr lang="en-US" dirty="0"/>
+              <a:t>Year </a:t>
+            </a:r>
+            <a:r>
+              <a:rPr lang="en-US" b="1" dirty="0"/>
+              <a:t>Slicer</a:t>
+            </a:r>
+            <a:endParaRPr lang="el-GR" b="1" dirty="0"/>
+          </a:p>
+        </p:txBody>
+      </p:sp>
+      <p:sp>
+        <p:nvSpPr>
+          <p:cNvPr id="10" name="TextBox 9">
+            <a:extLst>
+              <a:ext uri="{FF2B5EF4-FFF2-40B4-BE49-F238E27FC236}">
+                <a16:creationId xmlns:a16="http://schemas.microsoft.com/office/drawing/2014/main" id="{61275850-4570-BC8E-8768-C0F33879CF84}"/>
+              </a:ext>
+            </a:extLst>
+          </p:cNvPr>
+          <p:cNvSpPr txBox="1"/>
+          <p:nvPr/>
+        </p:nvSpPr>
+        <p:spPr>
+          <a:xfrm>
+            <a:off x="4561367" y="6424925"/>
+            <a:ext cx="1913861" cy="369332"/>
+          </a:xfrm>
+          <a:prstGeom prst="rect">
+            <a:avLst/>
+          </a:prstGeom>
+          <a:noFill/>
+        </p:spPr>
+        <p:txBody>
+          <a:bodyPr wrap="square" rtlCol="0">
+            <a:spAutoFit/>
+          </a:bodyPr>
+          <a:lstStyle/>
+          <a:p>
+            <a:r>
+              <a:rPr lang="en-US" dirty="0"/>
+              <a:t>Sales </a:t>
+            </a:r>
+            <a:r>
+              <a:rPr lang="en-US" b="1" dirty="0"/>
+              <a:t>Line Chart</a:t>
+            </a:r>
+            <a:endParaRPr lang="el-GR" b="1" dirty="0"/>
+          </a:p>
+        </p:txBody>
+      </p:sp>
+      <p:sp>
+        <p:nvSpPr>
+          <p:cNvPr id="11" name="TextBox 10">
+            <a:extLst>
+              <a:ext uri="{FF2B5EF4-FFF2-40B4-BE49-F238E27FC236}">
+                <a16:creationId xmlns:a16="http://schemas.microsoft.com/office/drawing/2014/main" id="{E4456FF1-E053-43A2-D27F-D118CAA32197}"/>
+              </a:ext>
+            </a:extLst>
+          </p:cNvPr>
+          <p:cNvSpPr txBox="1"/>
+          <p:nvPr/>
+        </p:nvSpPr>
+        <p:spPr>
+          <a:xfrm>
+            <a:off x="10118650" y="2055812"/>
+            <a:ext cx="2073350" cy="369332"/>
+          </a:xfrm>
+          <a:prstGeom prst="rect">
+            <a:avLst/>
+          </a:prstGeom>
+          <a:noFill/>
+        </p:spPr>
+        <p:txBody>
+          <a:bodyPr wrap="square" rtlCol="0">
+            <a:spAutoFit/>
+          </a:bodyPr>
+          <a:lstStyle/>
+          <a:p>
+            <a:r>
+              <a:rPr lang="en-US" b="1" dirty="0"/>
+              <a:t>Multi-Row Card</a:t>
+            </a:r>
+            <a:endParaRPr lang="el-GR" b="1" dirty="0"/>
+          </a:p>
+        </p:txBody>
+      </p:sp>
+      <p:sp>
+        <p:nvSpPr>
+          <p:cNvPr id="12" name="TextBox 11">
+            <a:extLst>
+              <a:ext uri="{FF2B5EF4-FFF2-40B4-BE49-F238E27FC236}">
+                <a16:creationId xmlns:a16="http://schemas.microsoft.com/office/drawing/2014/main" id="{158C0541-6EDE-7053-3177-80708264B7C7}"/>
+              </a:ext>
+            </a:extLst>
+          </p:cNvPr>
+          <p:cNvSpPr txBox="1"/>
+          <p:nvPr/>
+        </p:nvSpPr>
+        <p:spPr>
+          <a:xfrm>
+            <a:off x="10366744" y="3264195"/>
+            <a:ext cx="1562986" cy="646331"/>
+          </a:xfrm>
+          <a:prstGeom prst="rect">
+            <a:avLst/>
+          </a:prstGeom>
+          <a:noFill/>
+        </p:spPr>
+        <p:txBody>
+          <a:bodyPr wrap="square" rtlCol="0">
+            <a:spAutoFit/>
+          </a:bodyPr>
+          <a:lstStyle/>
+          <a:p>
+            <a:r>
+              <a:rPr lang="en-US" dirty="0"/>
+              <a:t>Track Sales </a:t>
+            </a:r>
+            <a:r>
+              <a:rPr lang="en-US" b="1" dirty="0"/>
+              <a:t>Table</a:t>
+            </a:r>
+            <a:endParaRPr lang="el-GR" b="1" dirty="0"/>
+          </a:p>
+        </p:txBody>
+      </p:sp>
+      <p:sp>
+        <p:nvSpPr>
+          <p:cNvPr id="13" name="TextBox 12">
+            <a:extLst>
+              <a:ext uri="{FF2B5EF4-FFF2-40B4-BE49-F238E27FC236}">
+                <a16:creationId xmlns:a16="http://schemas.microsoft.com/office/drawing/2014/main" id="{492FA999-D0D1-11EE-25ED-20C7F1E10C53}"/>
+              </a:ext>
+            </a:extLst>
+          </p:cNvPr>
+          <p:cNvSpPr txBox="1"/>
+          <p:nvPr/>
+        </p:nvSpPr>
+        <p:spPr>
+          <a:xfrm>
+            <a:off x="10118650" y="4887800"/>
+            <a:ext cx="2073350" cy="369332"/>
+          </a:xfrm>
+          <a:prstGeom prst="rect">
+            <a:avLst/>
+          </a:prstGeom>
+          <a:noFill/>
+        </p:spPr>
+        <p:txBody>
+          <a:bodyPr wrap="square" rtlCol="0">
+            <a:spAutoFit/>
+          </a:bodyPr>
+          <a:lstStyle/>
+          <a:p>
+            <a:r>
+              <a:rPr lang="en-US" b="1" dirty="0"/>
+              <a:t>Stacked Bar Chart</a:t>
+            </a:r>
+            <a:endParaRPr lang="el-GR" b="1" dirty="0"/>
           </a:p>
         </p:txBody>
       </p:sp>
       <p:cxnSp>
         <p:nvCxnSpPr>
-          <p:cNvPr id="10" name="Ευθύγραμμο βέλος σύνδεσης 9">
-            <a:extLst>
-              <a:ext uri="{FF2B5EF4-FFF2-40B4-BE49-F238E27FC236}">
-                <a16:creationId xmlns:a16="http://schemas.microsoft.com/office/drawing/2014/main" id="{EB160AD0-EA2E-27D3-C186-AFF588457AF8}"/>
-              </a:ext>
-            </a:extLst>
-          </p:cNvPr>
-          <p:cNvCxnSpPr/>
+          <p:cNvPr id="22" name="Γραμμή σύνδεσης: Γωνιώδης 21">
+            <a:extLst>
+              <a:ext uri="{FF2B5EF4-FFF2-40B4-BE49-F238E27FC236}">
+                <a16:creationId xmlns:a16="http://schemas.microsoft.com/office/drawing/2014/main" id="{F537E991-CCC9-2A83-D0BF-7833ED7490A3}"/>
+              </a:ext>
+            </a:extLst>
+          </p:cNvPr>
+          <p:cNvCxnSpPr>
+            <a:endCxn id="8" idx="2"/>
+          </p:cNvCxnSpPr>
           <p:nvPr/>
         </p:nvCxnSpPr>
         <p:spPr>
-          <a:xfrm>
-            <a:off x="1509823" y="5050465"/>
-            <a:ext cx="1082167" cy="318977"/>
-          </a:xfrm>
-          <a:prstGeom prst="straightConnector1">
+          <a:xfrm rot="10800000">
+            <a:off x="919717" y="2911067"/>
+            <a:ext cx="1477428" cy="353129"/>
+          </a:xfrm>
+          <a:prstGeom prst="bentConnector2">
             <a:avLst/>
           </a:prstGeom>
           <a:ln>
@@ -7150,232 +8153,227 @@
           </a:fontRef>
         </p:style>
       </p:cxnSp>
-      <p:sp>
-        <p:nvSpPr>
-          <p:cNvPr id="11" name="TextBox 10">
-            <a:extLst>
-              <a:ext uri="{FF2B5EF4-FFF2-40B4-BE49-F238E27FC236}">
-                <a16:creationId xmlns:a16="http://schemas.microsoft.com/office/drawing/2014/main" id="{B8D4EE61-D54D-A1DC-B6B3-30AB7BEEC570}"/>
-              </a:ext>
-            </a:extLst>
-          </p:cNvPr>
-          <p:cNvSpPr txBox="1"/>
+      <p:cxnSp>
+        <p:nvCxnSpPr>
+          <p:cNvPr id="24" name="Γραμμή σύνδεσης: Γωνιώδης 23">
+            <a:extLst>
+              <a:ext uri="{FF2B5EF4-FFF2-40B4-BE49-F238E27FC236}">
+                <a16:creationId xmlns:a16="http://schemas.microsoft.com/office/drawing/2014/main" id="{FC21A67C-7254-25C0-71B4-CC0F846F2F45}"/>
+              </a:ext>
+            </a:extLst>
+          </p:cNvPr>
+          <p:cNvCxnSpPr>
+            <a:cxnSpLocks/>
+            <a:endCxn id="9" idx="2"/>
+          </p:cNvCxnSpPr>
           <p:nvPr/>
-        </p:nvSpPr>
-        <p:spPr>
-          <a:xfrm>
-            <a:off x="9707526" y="2775098"/>
-            <a:ext cx="1562986" cy="923330"/>
-          </a:xfrm>
-          <a:prstGeom prst="rect">
+        </p:nvCxnSpPr>
+        <p:spPr>
+          <a:xfrm rot="10800000">
+            <a:off x="1361605" y="4598477"/>
+            <a:ext cx="1035540" cy="964947"/>
+          </a:xfrm>
+          <a:prstGeom prst="bentConnector2">
             <a:avLst/>
           </a:prstGeom>
-          <a:noFill/>
-        </p:spPr>
-        <p:txBody>
-          <a:bodyPr wrap="square" rtlCol="0">
-            <a:spAutoFit/>
-          </a:bodyPr>
-          <a:lstStyle/>
-          <a:p>
-            <a:r>
-              <a:rPr lang="en-US" dirty="0"/>
-              <a:t>Jane</a:t>
-            </a:r>
-          </a:p>
-          <a:p>
-            <a:r>
-              <a:rPr lang="en-US" dirty="0"/>
-              <a:t>Margaret</a:t>
-            </a:r>
-          </a:p>
-          <a:p>
-            <a:r>
-              <a:rPr lang="en-US" dirty="0"/>
-              <a:t>Steve</a:t>
-            </a:r>
-            <a:endParaRPr lang="el-GR" dirty="0"/>
-          </a:p>
-        </p:txBody>
-      </p:sp>
-      <p:sp>
-        <p:nvSpPr>
-          <p:cNvPr id="12" name="Βέλος: Δεξιό 11">
-            <a:extLst>
-              <a:ext uri="{FF2B5EF4-FFF2-40B4-BE49-F238E27FC236}">
-                <a16:creationId xmlns:a16="http://schemas.microsoft.com/office/drawing/2014/main" id="{687D035B-C066-65D1-44DE-17750B7A475C}"/>
-              </a:ext>
-            </a:extLst>
-          </p:cNvPr>
-          <p:cNvSpPr/>
+          <a:ln>
+            <a:tailEnd type="triangle"/>
+          </a:ln>
+        </p:spPr>
+        <p:style>
+          <a:lnRef idx="3">
+            <a:schemeClr val="accent6"/>
+          </a:lnRef>
+          <a:fillRef idx="0">
+            <a:schemeClr val="accent6"/>
+          </a:fillRef>
+          <a:effectRef idx="2">
+            <a:schemeClr val="accent6"/>
+          </a:effectRef>
+          <a:fontRef idx="minor">
+            <a:schemeClr val="tx1"/>
+          </a:fontRef>
+        </p:style>
+      </p:cxnSp>
+      <p:cxnSp>
+        <p:nvCxnSpPr>
+          <p:cNvPr id="32" name="Γραμμή σύνδεσης: Γωνιώδης 31">
+            <a:extLst>
+              <a:ext uri="{FF2B5EF4-FFF2-40B4-BE49-F238E27FC236}">
+                <a16:creationId xmlns:a16="http://schemas.microsoft.com/office/drawing/2014/main" id="{2F16807E-37F5-CF99-7E99-7343724F613B}"/>
+              </a:ext>
+            </a:extLst>
+          </p:cNvPr>
+          <p:cNvCxnSpPr>
+            <a:endCxn id="10" idx="1"/>
+          </p:cNvCxnSpPr>
           <p:nvPr/>
-        </p:nvSpPr>
-        <p:spPr>
-          <a:xfrm rot="18435758">
-            <a:off x="11051188" y="2884817"/>
-            <a:ext cx="193697" cy="160419"/>
-          </a:xfrm>
-          <a:prstGeom prst="rightArrow">
-            <a:avLst/>
+        </p:nvCxnSpPr>
+        <p:spPr>
+          <a:xfrm>
+            <a:off x="3934047" y="6315905"/>
+            <a:ext cx="627320" cy="293686"/>
+          </a:xfrm>
+          <a:prstGeom prst="bentConnector3">
+            <a:avLst>
+              <a:gd name="adj1" fmla="val 847"/>
+            </a:avLst>
           </a:prstGeom>
-          <a:solidFill>
-            <a:schemeClr val="accent6">
-              <a:lumMod val="75000"/>
-            </a:schemeClr>
-          </a:solidFill>
           <a:ln>
             <a:solidFill>
               <a:schemeClr val="accent6">
                 <a:lumMod val="75000"/>
               </a:schemeClr>
             </a:solidFill>
+            <a:tailEnd type="triangle"/>
           </a:ln>
         </p:spPr>
         <p:style>
-          <a:lnRef idx="2">
-            <a:schemeClr val="accent1">
-              <a:shade val="15000"/>
-            </a:schemeClr>
+          <a:lnRef idx="1">
+            <a:schemeClr val="accent1"/>
           </a:lnRef>
-          <a:fillRef idx="1">
+          <a:fillRef idx="0">
             <a:schemeClr val="accent1"/>
           </a:fillRef>
           <a:effectRef idx="0">
             <a:schemeClr val="accent1"/>
           </a:effectRef>
           <a:fontRef idx="minor">
-            <a:schemeClr val="lt1"/>
+            <a:schemeClr val="tx1"/>
           </a:fontRef>
         </p:style>
-        <p:txBody>
-          <a:bodyPr rtlCol="0" anchor="ctr"/>
-          <a:lstStyle/>
-          <a:p>
-            <a:pPr algn="ctr"/>
-            <a:endParaRPr lang="el-GR"/>
-          </a:p>
-        </p:txBody>
-      </p:sp>
-      <p:sp>
-        <p:nvSpPr>
-          <p:cNvPr id="13" name="Βέλος: Δεξιό 12">
-            <a:extLst>
-              <a:ext uri="{FF2B5EF4-FFF2-40B4-BE49-F238E27FC236}">
-                <a16:creationId xmlns:a16="http://schemas.microsoft.com/office/drawing/2014/main" id="{32585172-C5A8-38CC-E6EE-739D695091B5}"/>
-              </a:ext>
-            </a:extLst>
-          </p:cNvPr>
-          <p:cNvSpPr/>
+      </p:cxnSp>
+      <p:cxnSp>
+        <p:nvCxnSpPr>
+          <p:cNvPr id="35" name="Γραμμή σύνδεσης: Γωνιώδης 34">
+            <a:extLst>
+              <a:ext uri="{FF2B5EF4-FFF2-40B4-BE49-F238E27FC236}">
+                <a16:creationId xmlns:a16="http://schemas.microsoft.com/office/drawing/2014/main" id="{F34055FC-6EB6-BE99-1024-C5C032190E2A}"/>
+              </a:ext>
+            </a:extLst>
+          </p:cNvPr>
+          <p:cNvCxnSpPr>
+            <a:endCxn id="11" idx="2"/>
+          </p:cNvCxnSpPr>
           <p:nvPr/>
-        </p:nvSpPr>
-        <p:spPr>
-          <a:xfrm rot="2370786">
-            <a:off x="11056302" y="3152145"/>
-            <a:ext cx="193697" cy="160419"/>
-          </a:xfrm>
-          <a:prstGeom prst="rightArrow">
+        </p:nvCxnSpPr>
+        <p:spPr>
+          <a:xfrm flipV="1">
+            <a:off x="9794854" y="2425144"/>
+            <a:ext cx="1360471" cy="162756"/>
+          </a:xfrm>
+          <a:prstGeom prst="bentConnector2">
             <a:avLst/>
           </a:prstGeom>
-          <a:solidFill>
-            <a:schemeClr val="accent2">
-              <a:lumMod val="50000"/>
-            </a:schemeClr>
-          </a:solidFill>
           <a:ln>
-            <a:solidFill>
-              <a:schemeClr val="accent2">
-                <a:lumMod val="50000"/>
-              </a:schemeClr>
-            </a:solidFill>
+            <a:tailEnd type="triangle"/>
           </a:ln>
         </p:spPr>
         <p:style>
-          <a:lnRef idx="2">
-            <a:schemeClr val="accent1">
-              <a:shade val="15000"/>
-            </a:schemeClr>
+          <a:lnRef idx="3">
+            <a:schemeClr val="accent6"/>
           </a:lnRef>
-          <a:fillRef idx="1">
-            <a:schemeClr val="accent1"/>
+          <a:fillRef idx="0">
+            <a:schemeClr val="accent6"/>
           </a:fillRef>
-          <a:effectRef idx="0">
-            <a:schemeClr val="accent1"/>
+          <a:effectRef idx="2">
+            <a:schemeClr val="accent6"/>
           </a:effectRef>
           <a:fontRef idx="minor">
-            <a:schemeClr val="lt1"/>
+            <a:schemeClr val="tx1"/>
           </a:fontRef>
         </p:style>
-        <p:txBody>
-          <a:bodyPr rtlCol="0" anchor="ctr"/>
-          <a:lstStyle/>
-          <a:p>
-            <a:pPr algn="ctr"/>
-            <a:endParaRPr lang="el-GR"/>
-          </a:p>
-        </p:txBody>
-      </p:sp>
-      <p:sp>
-        <p:nvSpPr>
-          <p:cNvPr id="14" name="Βέλος: Δεξιό 13">
-            <a:extLst>
-              <a:ext uri="{FF2B5EF4-FFF2-40B4-BE49-F238E27FC236}">
-                <a16:creationId xmlns:a16="http://schemas.microsoft.com/office/drawing/2014/main" id="{43241903-3B45-FE2E-31B6-A937A18F149E}"/>
-              </a:ext>
-            </a:extLst>
-          </p:cNvPr>
-          <p:cNvSpPr/>
+      </p:cxnSp>
+      <p:cxnSp>
+        <p:nvCxnSpPr>
+          <p:cNvPr id="39" name="Γραμμή σύνδεσης: Γωνιώδης 38">
+            <a:extLst>
+              <a:ext uri="{FF2B5EF4-FFF2-40B4-BE49-F238E27FC236}">
+                <a16:creationId xmlns:a16="http://schemas.microsoft.com/office/drawing/2014/main" id="{58E7E2A0-B8CD-74B4-23D4-3C411D4901D5}"/>
+              </a:ext>
+            </a:extLst>
+          </p:cNvPr>
+          <p:cNvCxnSpPr>
+            <a:cxnSpLocks/>
+            <a:endCxn id="13" idx="2"/>
+          </p:cNvCxnSpPr>
           <p:nvPr/>
-        </p:nvSpPr>
-        <p:spPr>
-          <a:xfrm rot="2312486">
-            <a:off x="11051187" y="3419474"/>
-            <a:ext cx="193697" cy="160419"/>
-          </a:xfrm>
-          <a:prstGeom prst="rightArrow">
+        </p:nvCxnSpPr>
+        <p:spPr>
+          <a:xfrm flipV="1">
+            <a:off x="9794854" y="5257132"/>
+            <a:ext cx="1360471" cy="495082"/>
+          </a:xfrm>
+          <a:prstGeom prst="bentConnector2">
             <a:avLst/>
           </a:prstGeom>
-          <a:solidFill>
-            <a:schemeClr val="accent2">
-              <a:lumMod val="50000"/>
-            </a:schemeClr>
-          </a:solidFill>
           <a:ln>
-            <a:solidFill>
-              <a:schemeClr val="accent2">
-                <a:lumMod val="50000"/>
-              </a:schemeClr>
-            </a:solidFill>
+            <a:tailEnd type="triangle"/>
           </a:ln>
         </p:spPr>
         <p:style>
-          <a:lnRef idx="2">
-            <a:schemeClr val="accent1">
-              <a:shade val="15000"/>
-            </a:schemeClr>
+          <a:lnRef idx="3">
+            <a:schemeClr val="accent6"/>
           </a:lnRef>
-          <a:fillRef idx="1">
-            <a:schemeClr val="accent1"/>
+          <a:fillRef idx="0">
+            <a:schemeClr val="accent6"/>
           </a:fillRef>
-          <a:effectRef idx="0">
-            <a:schemeClr val="accent1"/>
+          <a:effectRef idx="2">
+            <a:schemeClr val="accent6"/>
           </a:effectRef>
           <a:fontRef idx="minor">
-            <a:schemeClr val="lt1"/>
+            <a:schemeClr val="tx1"/>
           </a:fontRef>
         </p:style>
-        <p:txBody>
-          <a:bodyPr rtlCol="0" anchor="ctr"/>
-          <a:lstStyle/>
-          <a:p>
-            <a:pPr algn="ctr"/>
-            <a:endParaRPr lang="el-GR"/>
-          </a:p>
-        </p:txBody>
-      </p:sp>
+      </p:cxnSp>
+      <p:cxnSp>
+        <p:nvCxnSpPr>
+          <p:cNvPr id="43" name="Γραμμή σύνδεσης: Γωνιώδης 42">
+            <a:extLst>
+              <a:ext uri="{FF2B5EF4-FFF2-40B4-BE49-F238E27FC236}">
+                <a16:creationId xmlns:a16="http://schemas.microsoft.com/office/drawing/2014/main" id="{661D6B55-51CF-4B4C-BB87-7F7C3B19D45B}"/>
+              </a:ext>
+            </a:extLst>
+          </p:cNvPr>
+          <p:cNvCxnSpPr>
+            <a:cxnSpLocks/>
+            <a:endCxn id="12" idx="1"/>
+          </p:cNvCxnSpPr>
+          <p:nvPr/>
+        </p:nvCxnSpPr>
+        <p:spPr>
+          <a:xfrm>
+            <a:off x="7432158" y="3494889"/>
+            <a:ext cx="2934586" cy="92472"/>
+          </a:xfrm>
+          <a:prstGeom prst="bentConnector3">
+            <a:avLst>
+              <a:gd name="adj1" fmla="val 87319"/>
+            </a:avLst>
+          </a:prstGeom>
+          <a:ln>
+            <a:tailEnd type="triangle"/>
+          </a:ln>
+        </p:spPr>
+        <p:style>
+          <a:lnRef idx="3">
+            <a:schemeClr val="accent6"/>
+          </a:lnRef>
+          <a:fillRef idx="0">
+            <a:schemeClr val="accent6"/>
+          </a:fillRef>
+          <a:effectRef idx="2">
+            <a:schemeClr val="accent6"/>
+          </a:effectRef>
+          <a:fontRef idx="minor">
+            <a:schemeClr val="tx1"/>
+          </a:fontRef>
+        </p:style>
+      </p:cxnSp>
     </p:spTree>
     <p:extLst>
       <p:ext uri="{BB962C8B-B14F-4D97-AF65-F5344CB8AC3E}">
-        <p14:creationId xmlns:p14="http://schemas.microsoft.com/office/powerpoint/2010/main" val="723371219"/>
+        <p14:creationId xmlns:p14="http://schemas.microsoft.com/office/powerpoint/2010/main" val="2561539057"/>
       </p:ext>
     </p:extLst>
   </p:cSld>
